--- a/Introduction to F#.pptx
+++ b/Introduction to F#.pptx
@@ -199,7 +199,7 @@
             <a:fld id="{4180EC96-23B5-4301-8B91-BF70EABF146D}" type="datetimeFigureOut">
               <a:rPr lang="en-US" smtClean="0"/>
               <a:pPr/>
-              <a:t>10/5/2009</a:t>
+              <a:t>1/20/2010</a:t>
             </a:fld>
             <a:endParaRPr lang="en-US" dirty="0"/>
           </a:p>
@@ -361,7 +361,7 @@
             <a:fld id="{7A94D76D-ACEA-4E66-9040-0707EFD59D28}" type="datetimeFigureOut">
               <a:rPr lang="en-US" smtClean="0"/>
               <a:pPr/>
-              <a:t>10/5/2009</a:t>
+              <a:t>1/20/2010</a:t>
             </a:fld>
             <a:endParaRPr lang="en-US"/>
           </a:p>
@@ -728,6 +728,88 @@
       </p:grpSpPr>
       <p:sp>
         <p:nvSpPr>
+          <p:cNvPr id="2" name="Folienbildplatzhalter 1"/>
+          <p:cNvSpPr>
+            <a:spLocks noGrp="1" noRot="1" noChangeAspect="1"/>
+          </p:cNvSpPr>
+          <p:nvPr>
+            <p:ph type="sldImg"/>
+          </p:nvPr>
+        </p:nvSpPr>
+        <p:spPr/>
+      </p:sp>
+      <p:sp>
+        <p:nvSpPr>
+          <p:cNvPr id="3" name="Notizenplatzhalter 2"/>
+          <p:cNvSpPr>
+            <a:spLocks noGrp="1"/>
+          </p:cNvSpPr>
+          <p:nvPr>
+            <p:ph type="body" idx="1"/>
+          </p:nvPr>
+        </p:nvSpPr>
+        <p:spPr/>
+        <p:txBody>
+          <a:bodyPr>
+            <a:normAutofit/>
+          </a:bodyPr>
+          <a:lstStyle/>
+          <a:p>
+            <a:endParaRPr lang="de-DE"/>
+          </a:p>
+        </p:txBody>
+      </p:sp>
+      <p:sp>
+        <p:nvSpPr>
+          <p:cNvPr id="4" name="Foliennummernplatzhalter 3"/>
+          <p:cNvSpPr>
+            <a:spLocks noGrp="1"/>
+          </p:cNvSpPr>
+          <p:nvPr>
+            <p:ph type="sldNum" sz="quarter" idx="10"/>
+          </p:nvPr>
+        </p:nvSpPr>
+        <p:spPr/>
+        <p:txBody>
+          <a:bodyPr/>
+          <a:lstStyle/>
+          <a:p>
+            <a:fld id="{FE5C90B4-74E4-420E-9E3F-548EA925D0FC}" type="slidenum">
+              <a:rPr lang="en-US" smtClean="0"/>
+              <a:pPr/>
+              <a:t>2</a:t>
+            </a:fld>
+            <a:endParaRPr lang="en-US"/>
+          </a:p>
+        </p:txBody>
+      </p:sp>
+    </p:spTree>
+  </p:cSld>
+  <p:clrMapOvr>
+    <a:masterClrMapping/>
+  </p:clrMapOvr>
+</p:notes>
+</file>
+
+<file path=ppt/notesSlides/notesSlide3.xml><?xml version="1.0" encoding="utf-8"?>
+<p:notes xmlns:a="http://schemas.openxmlformats.org/drawingml/2006/main" xmlns:r="http://schemas.openxmlformats.org/officeDocument/2006/relationships" xmlns:p="http://schemas.openxmlformats.org/presentationml/2006/main">
+  <p:cSld>
+    <p:spTree>
+      <p:nvGrpSpPr>
+        <p:cNvPr id="1" name=""/>
+        <p:cNvGrpSpPr/>
+        <p:nvPr/>
+      </p:nvGrpSpPr>
+      <p:grpSpPr>
+        <a:xfrm>
+          <a:off x="0" y="0"/>
+          <a:ext cx="0" cy="0"/>
+          <a:chOff x="0" y="0"/>
+          <a:chExt cx="0" cy="0"/>
+        </a:xfrm>
+      </p:grpSpPr>
+      <p:sp>
+        <p:nvSpPr>
           <p:cNvPr id="2" name="Slide Image Placeholder 1"/>
           <p:cNvSpPr>
             <a:spLocks noGrp="1" noRot="1" noChangeAspect="1"/>
@@ -746,7 +828,7 @@
 </p:notes>
 </file>
 
-<file path=ppt/notesSlides/notesSlide3.xml><?xml version="1.0" encoding="utf-8"?>
+<file path=ppt/notesSlides/notesSlide4.xml><?xml version="1.0" encoding="utf-8"?>
 <p:notes xmlns:a="http://schemas.openxmlformats.org/drawingml/2006/main" xmlns:r="http://schemas.openxmlformats.org/officeDocument/2006/relationships" xmlns:p="http://schemas.openxmlformats.org/presentationml/2006/main">
   <p:cSld>
     <p:spTree>
@@ -808,7 +890,7 @@
         </p:nvSpPr>
         <p:spPr bwMode="ltGray">
           <a:xfrm>
-            <a:off x="2" y="1"/>
+            <a:off x="0" y="228600"/>
             <a:ext cx="9143999" cy="5135431"/>
           </a:xfrm>
           <a:prstGeom prst="rect">
@@ -859,7 +941,7 @@
         </p:nvSpPr>
         <p:spPr>
           <a:xfrm>
-            <a:off x="685800" y="3355848"/>
+            <a:off x="609600" y="2438400"/>
             <a:ext cx="8077200" cy="1673352"/>
           </a:xfrm>
         </p:spPr>
@@ -903,7 +985,7 @@
         </p:nvSpPr>
         <p:spPr>
           <a:xfrm>
-            <a:off x="685800" y="1828800"/>
+            <a:off x="685800" y="533400"/>
             <a:ext cx="8077200" cy="1499616"/>
           </a:xfrm>
         </p:spPr>
@@ -1017,7 +1099,7 @@
         </p:nvSpPr>
         <p:spPr bwMode="invGray">
           <a:xfrm>
-            <a:off x="0" y="5128335"/>
+            <a:off x="0" y="4267200"/>
             <a:ext cx="9144000" cy="45720"/>
           </a:xfrm>
           <a:prstGeom prst="rect">
@@ -2963,7 +3045,7 @@
             <a:fld id="{75429ADD-C5BF-4814-8EAF-17BB58E1B0D2}" type="datetimeFigureOut">
               <a:rPr lang="en-US" smtClean="0"/>
               <a:pPr/>
-              <a:t>10/5/2009</a:t>
+              <a:t>1/20/2010</a:t>
             </a:fld>
             <a:endParaRPr lang="en-US" dirty="0"/>
           </a:p>
@@ -3758,8 +3840,8 @@
         </p:nvSpPr>
         <p:spPr bwMode="auto">
           <a:xfrm>
-            <a:off x="390524" y="5111750"/>
-            <a:ext cx="5553075" cy="1136650"/>
+            <a:off x="381000" y="4419600"/>
+            <a:ext cx="5553075" cy="2286000"/>
           </a:xfrm>
           <a:prstGeom prst="rect">
             <a:avLst/>
@@ -3787,7 +3869,47 @@
               </a:rPr>
               <a:t>Steffen Forkmann</a:t>
             </a:r>
-            <a:endParaRPr lang="en-US" sz="2800" b="1" dirty="0" smtClean="0">
+          </a:p>
+          <a:p>
+            <a:pPr marL="342900" indent="-342900" algn="l" rtl="0">
+              <a:buClr>
+                <a:srgbClr val="00B0F0"/>
+              </a:buClr>
+            </a:pPr>
+            <a:r>
+              <a:rPr lang="en-US" sz="2800" b="1" dirty="0" err="1" smtClean="0">
+                <a:latin typeface="Calibri" pitchFamily="34" charset="0"/>
+              </a:rPr>
+              <a:t>msu</a:t>
+            </a:r>
+            <a:r>
+              <a:rPr lang="en-US" sz="2800" b="1" dirty="0" smtClean="0">
+                <a:latin typeface="Calibri" pitchFamily="34" charset="0"/>
+              </a:rPr>
+              <a:t> solutions GmbH</a:t>
+            </a:r>
+          </a:p>
+          <a:p>
+            <a:pPr marL="342900" indent="-342900" algn="l" rtl="0">
+              <a:buClr>
+                <a:srgbClr val="00B0F0"/>
+              </a:buClr>
+            </a:pPr>
+            <a:r>
+              <a:rPr lang="en-US" sz="2800" dirty="0" smtClean="0">
+                <a:latin typeface="Calibri" pitchFamily="34" charset="0"/>
+                <a:hlinkClick r:id="rId3"/>
+              </a:rPr>
+              <a:t>http://</a:t>
+            </a:r>
+            <a:r>
+              <a:rPr lang="en-US" sz="2800" dirty="0" smtClean="0">
+                <a:latin typeface="Calibri" pitchFamily="34" charset="0"/>
+                <a:hlinkClick r:id="rId3"/>
+              </a:rPr>
+              <a:t>www.navision-blog.de</a:t>
+            </a:r>
+            <a:endParaRPr lang="en-US" sz="2800" dirty="0" smtClean="0">
               <a:latin typeface="Calibri" pitchFamily="34" charset="0"/>
             </a:endParaRPr>
           </a:p>
@@ -3798,20 +3920,32 @@
               </a:buClr>
             </a:pPr>
             <a:r>
-              <a:rPr lang="en-US" sz="2800" b="1" dirty="0" err="1" smtClean="0">
+              <a:rPr lang="en-US" sz="2800" dirty="0" smtClean="0">
                 <a:latin typeface="Calibri" pitchFamily="34" charset="0"/>
-              </a:rPr>
-              <a:t>msu</a:t>
-            </a:r>
-            <a:r>
-              <a:rPr lang="en-US" sz="2800" b="1" dirty="0" smtClean="0">
+                <a:hlinkClick r:id="rId4"/>
+              </a:rPr>
+              <a:t>http</a:t>
+            </a:r>
+            <a:r>
+              <a:rPr lang="en-US" sz="2800" dirty="0" smtClean="0">
                 <a:latin typeface="Calibri" pitchFamily="34" charset="0"/>
-              </a:rPr>
-              <a:t> solutions GmbH</a:t>
-            </a:r>
+                <a:hlinkClick r:id="rId4"/>
+              </a:rPr>
+              <a:t>://</a:t>
+            </a:r>
+            <a:r>
+              <a:rPr lang="en-US" sz="2800" dirty="0" smtClean="0">
+                <a:latin typeface="Calibri" pitchFamily="34" charset="0"/>
+                <a:hlinkClick r:id="rId4"/>
+              </a:rPr>
+              <a:t>www.twitter.com/sforkmann</a:t>
+            </a:r>
+            <a:endParaRPr lang="en-US" sz="2800" dirty="0" smtClean="0">
+              <a:latin typeface="Calibri" pitchFamily="34" charset="0"/>
+            </a:endParaRPr>
           </a:p>
           <a:p>
-            <a:pPr marL="342900" indent="-342900" algn="l" rtl="0">
+            <a:pPr marL="342900" indent="-342900">
               <a:buClr>
                 <a:srgbClr val="00B0F0"/>
               </a:buClr>
@@ -3819,22 +3953,27 @@
             <a:r>
               <a:rPr lang="en-US" sz="2800" dirty="0" smtClean="0">
                 <a:latin typeface="Calibri" pitchFamily="34" charset="0"/>
-              </a:rPr>
-              <a:t>http://www.navision-blog.de</a:t>
-            </a:r>
+                <a:hlinkClick r:id="rId5"/>
+              </a:rPr>
+              <a:t>http://</a:t>
+            </a:r>
+            <a:r>
+              <a:rPr lang="en-US" sz="2800" dirty="0" smtClean="0">
+                <a:latin typeface="Calibri" pitchFamily="34" charset="0"/>
+                <a:hlinkClick r:id="rId5"/>
+              </a:rPr>
+              <a:t>github.com/forki/FSharpTalk</a:t>
+            </a:r>
+            <a:endParaRPr lang="en-US" sz="2800" dirty="0" smtClean="0">
+              <a:latin typeface="Calibri" pitchFamily="34" charset="0"/>
+            </a:endParaRPr>
           </a:p>
           <a:p>
-            <a:pPr marL="342900" indent="-342900" algn="l" rtl="0">
+            <a:pPr marL="342900" indent="-342900">
               <a:buClr>
                 <a:srgbClr val="00B0F0"/>
               </a:buClr>
             </a:pPr>
-            <a:r>
-              <a:rPr lang="en-US" sz="2800" dirty="0" smtClean="0">
-                <a:latin typeface="Calibri" pitchFamily="34" charset="0"/>
-              </a:rPr>
-              <a:t>http://www.twitter.com/sforkmann</a:t>
-            </a:r>
             <a:endParaRPr lang="en-US" sz="2800" dirty="0" smtClean="0">
               <a:latin typeface="Calibri" pitchFamily="34" charset="0"/>
             </a:endParaRPr>
@@ -22389,11 +22528,7 @@
           <a:p>
             <a:r>
               <a:rPr lang="en-GB" dirty="0" smtClean="0"/>
-              <a:t>Asynchronous </a:t>
-            </a:r>
-            <a:r>
-              <a:rPr lang="en-GB" dirty="0" smtClean="0"/>
-              <a:t>I/O</a:t>
+              <a:t>Asynchronous I/O</a:t>
             </a:r>
             <a:endParaRPr lang="en-GB" dirty="0"/>
           </a:p>
@@ -28199,11 +28334,7 @@
           <a:p>
             <a:r>
               <a:rPr lang="en-GB" dirty="0" smtClean="0"/>
-              <a:t>Asynchronous </a:t>
-            </a:r>
-            <a:r>
-              <a:rPr lang="en-GB" dirty="0" smtClean="0"/>
-              <a:t>I/O</a:t>
+              <a:t>Asynchronous I/O</a:t>
             </a:r>
             <a:endParaRPr lang="en-GB" dirty="0"/>
           </a:p>

--- a/Introduction to F#.pptx
+++ b/Introduction to F#.pptx
@@ -5,16 +5,15 @@
     <p:sldMasterId id="2147483660" r:id="rId1"/>
   </p:sldMasterIdLst>
   <p:notesMasterIdLst>
-    <p:notesMasterId r:id="rId6"/>
+    <p:notesMasterId r:id="rId5"/>
   </p:notesMasterIdLst>
   <p:handoutMasterIdLst>
-    <p:handoutMasterId r:id="rId7"/>
+    <p:handoutMasterId r:id="rId6"/>
   </p:handoutMasterIdLst>
   <p:sldIdLst>
     <p:sldId id="256" r:id="rId2"/>
     <p:sldId id="322" r:id="rId3"/>
     <p:sldId id="320" r:id="rId4"/>
-    <p:sldId id="321" r:id="rId5"/>
   </p:sldIdLst>
   <p:sldSz cx="9144000" cy="6858000" type="screen4x3"/>
   <p:notesSz cx="6858000" cy="9144000"/>
@@ -828,43 +827,6 @@
 </p:notes>
 </file>
 
-<file path=ppt/notesSlides/notesSlide4.xml><?xml version="1.0" encoding="utf-8"?>
-<p:notes xmlns:a="http://schemas.openxmlformats.org/drawingml/2006/main" xmlns:r="http://schemas.openxmlformats.org/officeDocument/2006/relationships" xmlns:p="http://schemas.openxmlformats.org/presentationml/2006/main">
-  <p:cSld>
-    <p:spTree>
-      <p:nvGrpSpPr>
-        <p:cNvPr id="1" name=""/>
-        <p:cNvGrpSpPr/>
-        <p:nvPr/>
-      </p:nvGrpSpPr>
-      <p:grpSpPr>
-        <a:xfrm>
-          <a:off x="0" y="0"/>
-          <a:ext cx="0" cy="0"/>
-          <a:chOff x="0" y="0"/>
-          <a:chExt cx="0" cy="0"/>
-        </a:xfrm>
-      </p:grpSpPr>
-      <p:sp>
-        <p:nvSpPr>
-          <p:cNvPr id="2" name="Slide Image Placeholder 1"/>
-          <p:cNvSpPr>
-            <a:spLocks noGrp="1" noRot="1" noChangeAspect="1"/>
-          </p:cNvSpPr>
-          <p:nvPr>
-            <p:ph type="sldImg"/>
-          </p:nvPr>
-        </p:nvSpPr>
-        <p:spPr/>
-      </p:sp>
-    </p:spTree>
-  </p:cSld>
-  <p:clrMapOvr>
-    <a:masterClrMapping/>
-  </p:clrMapOvr>
-</p:notes>
-</file>
-
 <file path=ppt/slideLayouts/slideLayout1.xml><?xml version="1.0" encoding="utf-8"?>
 <p:sldLayout xmlns:a="http://schemas.openxmlformats.org/drawingml/2006/main" xmlns:r="http://schemas.openxmlformats.org/officeDocument/2006/relationships" xmlns:p="http://schemas.openxmlformats.org/presentationml/2006/main" type="title" preserve="1">
   <p:cSld name="Title Slide">
@@ -3900,14 +3862,7 @@
                 <a:latin typeface="Calibri" pitchFamily="34" charset="0"/>
                 <a:hlinkClick r:id="rId3"/>
               </a:rPr>
-              <a:t>http://</a:t>
-            </a:r>
-            <a:r>
-              <a:rPr lang="en-US" sz="2800" dirty="0" smtClean="0">
-                <a:latin typeface="Calibri" pitchFamily="34" charset="0"/>
-                <a:hlinkClick r:id="rId3"/>
-              </a:rPr>
-              <a:t>www.navision-blog.de</a:t>
+              <a:t>http://www.navision-blog.de</a:t>
             </a:r>
             <a:endParaRPr lang="en-US" sz="2800" dirty="0" smtClean="0">
               <a:latin typeface="Calibri" pitchFamily="34" charset="0"/>
@@ -3924,21 +3879,7 @@
                 <a:latin typeface="Calibri" pitchFamily="34" charset="0"/>
                 <a:hlinkClick r:id="rId4"/>
               </a:rPr>
-              <a:t>http</a:t>
-            </a:r>
-            <a:r>
-              <a:rPr lang="en-US" sz="2800" dirty="0" smtClean="0">
-                <a:latin typeface="Calibri" pitchFamily="34" charset="0"/>
-                <a:hlinkClick r:id="rId4"/>
-              </a:rPr>
-              <a:t>://</a:t>
-            </a:r>
-            <a:r>
-              <a:rPr lang="en-US" sz="2800" dirty="0" smtClean="0">
-                <a:latin typeface="Calibri" pitchFamily="34" charset="0"/>
-                <a:hlinkClick r:id="rId4"/>
-              </a:rPr>
-              <a:t>www.twitter.com/sforkmann</a:t>
+              <a:t>http://www.twitter.com/sforkmann</a:t>
             </a:r>
             <a:endParaRPr lang="en-US" sz="2800" dirty="0" smtClean="0">
               <a:latin typeface="Calibri" pitchFamily="34" charset="0"/>
@@ -3955,14 +3896,7 @@
                 <a:latin typeface="Calibri" pitchFamily="34" charset="0"/>
                 <a:hlinkClick r:id="rId5"/>
               </a:rPr>
-              <a:t>http://</a:t>
-            </a:r>
-            <a:r>
-              <a:rPr lang="en-US" sz="2800" dirty="0" smtClean="0">
-                <a:latin typeface="Calibri" pitchFamily="34" charset="0"/>
-                <a:hlinkClick r:id="rId5"/>
-              </a:rPr>
-              <a:t>github.com/forki/FSharpTalk</a:t>
+              <a:t>http://github.com/forki/FSharpTalk</a:t>
             </a:r>
             <a:endParaRPr lang="en-US" sz="2800" dirty="0" smtClean="0">
               <a:latin typeface="Calibri" pitchFamily="34" charset="0"/>
@@ -27398,2322 +27332,6 @@
       <p:bldP spid="7" grpId="0" animBg="1"/>
       <p:bldP spid="10" grpId="0" animBg="1"/>
       <p:bldP spid="9" grpId="0" animBg="1"/>
-    </p:bldLst>
-  </p:timing>
-</p:sld>
-</file>
-
-<file path=ppt/slides/slide4.xml><?xml version="1.0" encoding="utf-8"?>
-<p:sld xmlns:a="http://schemas.openxmlformats.org/drawingml/2006/main" xmlns:r="http://schemas.openxmlformats.org/officeDocument/2006/relationships" xmlns:p="http://schemas.openxmlformats.org/presentationml/2006/main">
-  <p:cSld>
-    <p:spTree>
-      <p:nvGrpSpPr>
-        <p:cNvPr id="1" name=""/>
-        <p:cNvGrpSpPr/>
-        <p:nvPr/>
-      </p:nvGrpSpPr>
-      <p:grpSpPr>
-        <a:xfrm>
-          <a:off x="0" y="0"/>
-          <a:ext cx="0" cy="0"/>
-          <a:chOff x="0" y="0"/>
-          <a:chExt cx="0" cy="0"/>
-        </a:xfrm>
-      </p:grpSpPr>
-      <p:sp>
-        <p:nvSpPr>
-          <p:cNvPr id="19" name="Folded Corner 18"/>
-          <p:cNvSpPr/>
-          <p:nvPr/>
-        </p:nvSpPr>
-        <p:spPr>
-          <a:xfrm>
-            <a:off x="457200" y="2133600"/>
-            <a:ext cx="8589458" cy="4303459"/>
-          </a:xfrm>
-          <a:prstGeom prst="foldedCorner">
-            <a:avLst/>
-          </a:prstGeom>
-        </p:spPr>
-        <p:style>
-          <a:lnRef idx="1">
-            <a:schemeClr val="accent1"/>
-          </a:lnRef>
-          <a:fillRef idx="2">
-            <a:schemeClr val="accent1"/>
-          </a:fillRef>
-          <a:effectRef idx="1">
-            <a:schemeClr val="accent1"/>
-          </a:effectRef>
-          <a:fontRef idx="minor">
-            <a:schemeClr val="dk1"/>
-          </a:fontRef>
-        </p:style>
-        <p:txBody>
-          <a:bodyPr wrap="none" lIns="36000" tIns="36000" rIns="36000" bIns="36000" rtlCol="0" anchor="ctr">
-            <a:spAutoFit/>
-          </a:bodyPr>
-          <a:lstStyle/>
-          <a:p>
-            <a:pPr algn="l">
-              <a:lnSpc>
-                <a:spcPct val="120000"/>
-              </a:lnSpc>
-              <a:spcAft>
-                <a:spcPts val="0"/>
-              </a:spcAft>
-            </a:pPr>
-            <a:r>
-              <a:rPr lang="en-GB" sz="1600" b="1" dirty="0" smtClean="0">
-                <a:solidFill>
-                  <a:schemeClr val="bg1"/>
-                </a:solidFill>
-                <a:latin typeface="Courier New" pitchFamily="49" charset="0"/>
-                <a:ea typeface="Calibri"/>
-                <a:cs typeface="Courier New" pitchFamily="49" charset="0"/>
-              </a:rPr>
-              <a:t>let </a:t>
-            </a:r>
-            <a:r>
-              <a:rPr lang="en-GB" sz="1600" b="1" dirty="0" err="1" smtClean="0">
-                <a:solidFill>
-                  <a:schemeClr val="bg1"/>
-                </a:solidFill>
-                <a:latin typeface="Courier New" pitchFamily="49" charset="0"/>
-                <a:ea typeface="Calibri"/>
-                <a:cs typeface="Courier New" pitchFamily="49" charset="0"/>
-              </a:rPr>
-              <a:t>ProcessImageAsync</a:t>
-            </a:r>
-            <a:r>
-              <a:rPr lang="en-GB" sz="1600" b="1" dirty="0" smtClean="0">
-                <a:solidFill>
-                  <a:schemeClr val="bg1"/>
-                </a:solidFill>
-                <a:latin typeface="Courier New" pitchFamily="49" charset="0"/>
-                <a:ea typeface="Calibri"/>
-                <a:cs typeface="Courier New" pitchFamily="49" charset="0"/>
-              </a:rPr>
-              <a:t>(</a:t>
-            </a:r>
-            <a:r>
-              <a:rPr lang="en-GB" sz="1600" b="1" dirty="0" err="1" smtClean="0">
-                <a:solidFill>
-                  <a:schemeClr val="bg1"/>
-                </a:solidFill>
-                <a:latin typeface="Courier New" pitchFamily="49" charset="0"/>
-                <a:ea typeface="Calibri"/>
-                <a:cs typeface="Courier New" pitchFamily="49" charset="0"/>
-              </a:rPr>
-              <a:t>i</a:t>
-            </a:r>
-            <a:r>
-              <a:rPr lang="en-GB" sz="1600" b="1" dirty="0" smtClean="0">
-                <a:solidFill>
-                  <a:schemeClr val="bg1"/>
-                </a:solidFill>
-                <a:latin typeface="Courier New" pitchFamily="49" charset="0"/>
-                <a:ea typeface="Calibri"/>
-                <a:cs typeface="Courier New" pitchFamily="49" charset="0"/>
-              </a:rPr>
-              <a:t>) =</a:t>
-            </a:r>
-          </a:p>
-          <a:p>
-            <a:pPr algn="l">
-              <a:lnSpc>
-                <a:spcPct val="120000"/>
-              </a:lnSpc>
-              <a:spcAft>
-                <a:spcPts val="0"/>
-              </a:spcAft>
-            </a:pPr>
-            <a:r>
-              <a:rPr lang="en-GB" sz="1600" b="1" dirty="0" smtClean="0">
-                <a:solidFill>
-                  <a:schemeClr val="bg1"/>
-                </a:solidFill>
-                <a:latin typeface="Courier New" pitchFamily="49" charset="0"/>
-                <a:ea typeface="Calibri"/>
-                <a:cs typeface="Courier New" pitchFamily="49" charset="0"/>
-              </a:rPr>
-              <a:t>    </a:t>
-            </a:r>
-            <a:r>
-              <a:rPr lang="en-GB" sz="1600" b="1" dirty="0" err="1" smtClean="0">
-                <a:solidFill>
-                  <a:schemeClr val="bg1"/>
-                </a:solidFill>
-                <a:latin typeface="Courier New" pitchFamily="49" charset="0"/>
-                <a:ea typeface="Calibri"/>
-                <a:cs typeface="Courier New" pitchFamily="49" charset="0"/>
-              </a:rPr>
-              <a:t>async</a:t>
-            </a:r>
-            <a:r>
-              <a:rPr lang="en-GB" sz="1600" b="1" dirty="0" smtClean="0">
-                <a:solidFill>
-                  <a:schemeClr val="bg1"/>
-                </a:solidFill>
-                <a:latin typeface="Courier New" pitchFamily="49" charset="0"/>
-                <a:ea typeface="Calibri"/>
-                <a:cs typeface="Courier New" pitchFamily="49" charset="0"/>
-              </a:rPr>
-              <a:t> { let  </a:t>
-            </a:r>
-            <a:r>
-              <a:rPr lang="en-GB" sz="1600" b="1" dirty="0" err="1" smtClean="0">
-                <a:solidFill>
-                  <a:schemeClr val="bg1"/>
-                </a:solidFill>
-                <a:latin typeface="Courier New" pitchFamily="49" charset="0"/>
-                <a:ea typeface="Calibri"/>
-                <a:cs typeface="Courier New" pitchFamily="49" charset="0"/>
-              </a:rPr>
-              <a:t>inStream</a:t>
-            </a:r>
-            <a:r>
-              <a:rPr lang="en-GB" sz="1600" b="1" dirty="0" smtClean="0">
-                <a:solidFill>
-                  <a:schemeClr val="bg1"/>
-                </a:solidFill>
-                <a:latin typeface="Courier New" pitchFamily="49" charset="0"/>
-                <a:ea typeface="Calibri"/>
-                <a:cs typeface="Courier New" pitchFamily="49" charset="0"/>
-              </a:rPr>
-              <a:t>  = </a:t>
-            </a:r>
-            <a:r>
-              <a:rPr lang="en-GB" sz="1600" b="1" dirty="0" err="1" smtClean="0">
-                <a:solidFill>
-                  <a:schemeClr val="bg1"/>
-                </a:solidFill>
-                <a:latin typeface="Courier New" pitchFamily="49" charset="0"/>
-                <a:ea typeface="Calibri"/>
-                <a:cs typeface="Courier New" pitchFamily="49" charset="0"/>
-              </a:rPr>
-              <a:t>File.OpenRead</a:t>
-            </a:r>
-            <a:r>
-              <a:rPr lang="en-GB" sz="1600" b="1" dirty="0" smtClean="0">
-                <a:solidFill>
-                  <a:schemeClr val="bg1"/>
-                </a:solidFill>
-                <a:latin typeface="Courier New" pitchFamily="49" charset="0"/>
-                <a:ea typeface="Calibri"/>
-                <a:cs typeface="Courier New" pitchFamily="49" charset="0"/>
-              </a:rPr>
-              <a:t>(</a:t>
-            </a:r>
-            <a:r>
-              <a:rPr lang="en-GB" sz="1600" b="1" dirty="0" err="1" smtClean="0">
-                <a:solidFill>
-                  <a:schemeClr val="bg1"/>
-                </a:solidFill>
-                <a:latin typeface="Courier New" pitchFamily="49" charset="0"/>
-                <a:ea typeface="Calibri"/>
-                <a:cs typeface="Courier New" pitchFamily="49" charset="0"/>
-              </a:rPr>
-              <a:t>sprintf</a:t>
-            </a:r>
-            <a:r>
-              <a:rPr lang="en-GB" sz="1600" b="1" dirty="0" smtClean="0">
-                <a:solidFill>
-                  <a:schemeClr val="bg1"/>
-                </a:solidFill>
-                <a:latin typeface="Courier New" pitchFamily="49" charset="0"/>
-                <a:ea typeface="Calibri"/>
-                <a:cs typeface="Courier New" pitchFamily="49" charset="0"/>
-              </a:rPr>
-              <a:t> "</a:t>
-            </a:r>
-            <a:r>
-              <a:rPr lang="en-GB" sz="1600" b="1" dirty="0" err="1" smtClean="0">
-                <a:solidFill>
-                  <a:schemeClr val="bg1"/>
-                </a:solidFill>
-                <a:latin typeface="Courier New" pitchFamily="49" charset="0"/>
-                <a:ea typeface="Calibri"/>
-                <a:cs typeface="Courier New" pitchFamily="49" charset="0"/>
-              </a:rPr>
-              <a:t>source%d.jpg</a:t>
-            </a:r>
-            <a:r>
-              <a:rPr lang="en-GB" sz="1600" b="1" dirty="0" smtClean="0">
-                <a:solidFill>
-                  <a:schemeClr val="bg1"/>
-                </a:solidFill>
-                <a:latin typeface="Courier New" pitchFamily="49" charset="0"/>
-                <a:ea typeface="Calibri"/>
-                <a:cs typeface="Courier New" pitchFamily="49" charset="0"/>
-              </a:rPr>
-              <a:t>" </a:t>
-            </a:r>
-            <a:r>
-              <a:rPr lang="en-GB" sz="1600" b="1" dirty="0" err="1" smtClean="0">
-                <a:solidFill>
-                  <a:schemeClr val="bg1"/>
-                </a:solidFill>
-                <a:latin typeface="Courier New" pitchFamily="49" charset="0"/>
-                <a:ea typeface="Calibri"/>
-                <a:cs typeface="Courier New" pitchFamily="49" charset="0"/>
-              </a:rPr>
-              <a:t>i</a:t>
-            </a:r>
-            <a:r>
-              <a:rPr lang="en-GB" sz="1600" b="1" dirty="0" smtClean="0">
-                <a:solidFill>
-                  <a:schemeClr val="bg1"/>
-                </a:solidFill>
-                <a:latin typeface="Courier New" pitchFamily="49" charset="0"/>
-                <a:ea typeface="Calibri"/>
-                <a:cs typeface="Courier New" pitchFamily="49" charset="0"/>
-              </a:rPr>
-              <a:t>)</a:t>
-            </a:r>
-          </a:p>
-          <a:p>
-            <a:pPr algn="l">
-              <a:lnSpc>
-                <a:spcPct val="120000"/>
-              </a:lnSpc>
-              <a:spcAft>
-                <a:spcPts val="0"/>
-              </a:spcAft>
-            </a:pPr>
-            <a:r>
-              <a:rPr lang="en-GB" sz="1600" b="1" dirty="0" smtClean="0">
-                <a:solidFill>
-                  <a:schemeClr val="bg1"/>
-                </a:solidFill>
-                <a:latin typeface="Courier New" pitchFamily="49" charset="0"/>
-                <a:ea typeface="Calibri"/>
-                <a:cs typeface="Courier New" pitchFamily="49" charset="0"/>
-              </a:rPr>
-              <a:t>            let! pixels    = </a:t>
-            </a:r>
-            <a:r>
-              <a:rPr lang="en-GB" sz="1600" b="1" dirty="0" err="1" smtClean="0">
-                <a:solidFill>
-                  <a:schemeClr val="bg1"/>
-                </a:solidFill>
-                <a:latin typeface="Courier New" pitchFamily="49" charset="0"/>
-                <a:ea typeface="Calibri"/>
-                <a:cs typeface="Courier New" pitchFamily="49" charset="0"/>
-              </a:rPr>
-              <a:t>inStream.</a:t>
-            </a:r>
-            <a:r>
-              <a:rPr lang="en-GB" sz="1600" b="1" i="1" dirty="0" err="1" smtClean="0">
-                <a:solidFill>
-                  <a:schemeClr val="bg1"/>
-                </a:solidFill>
-                <a:latin typeface="Courier New" pitchFamily="49" charset="0"/>
-                <a:ea typeface="Calibri"/>
-                <a:cs typeface="Courier New" pitchFamily="49" charset="0"/>
-              </a:rPr>
-              <a:t>ReadAsync</a:t>
-            </a:r>
-            <a:r>
-              <a:rPr lang="en-GB" sz="1600" b="1" dirty="0" smtClean="0">
-                <a:solidFill>
-                  <a:schemeClr val="bg1"/>
-                </a:solidFill>
-                <a:latin typeface="Courier New" pitchFamily="49" charset="0"/>
-                <a:ea typeface="Calibri"/>
-                <a:cs typeface="Courier New" pitchFamily="49" charset="0"/>
-              </a:rPr>
-              <a:t>(</a:t>
-            </a:r>
-            <a:r>
-              <a:rPr lang="en-GB" sz="1600" b="1" dirty="0" err="1" smtClean="0">
-                <a:solidFill>
-                  <a:schemeClr val="bg1"/>
-                </a:solidFill>
-                <a:latin typeface="Courier New" pitchFamily="49" charset="0"/>
-                <a:ea typeface="Calibri"/>
-                <a:cs typeface="Courier New" pitchFamily="49" charset="0"/>
-              </a:rPr>
-              <a:t>numPixels</a:t>
-            </a:r>
-            <a:r>
-              <a:rPr lang="en-GB" sz="1600" b="1" dirty="0" smtClean="0">
-                <a:solidFill>
-                  <a:schemeClr val="bg1"/>
-                </a:solidFill>
-                <a:latin typeface="Courier New" pitchFamily="49" charset="0"/>
-                <a:ea typeface="Calibri"/>
-                <a:cs typeface="Courier New" pitchFamily="49" charset="0"/>
-              </a:rPr>
-              <a:t>)</a:t>
-            </a:r>
-          </a:p>
-          <a:p>
-            <a:pPr algn="l">
-              <a:lnSpc>
-                <a:spcPct val="120000"/>
-              </a:lnSpc>
-              <a:spcAft>
-                <a:spcPts val="0"/>
-              </a:spcAft>
-            </a:pPr>
-            <a:r>
-              <a:rPr lang="en-GB" sz="1600" b="1" dirty="0" smtClean="0">
-                <a:solidFill>
-                  <a:schemeClr val="bg1"/>
-                </a:solidFill>
-                <a:latin typeface="Courier New" pitchFamily="49" charset="0"/>
-                <a:ea typeface="Calibri"/>
-                <a:cs typeface="Courier New" pitchFamily="49" charset="0"/>
-              </a:rPr>
-              <a:t>            let  pixels'   = </a:t>
-            </a:r>
-            <a:r>
-              <a:rPr lang="en-GB" sz="1600" b="1" dirty="0" err="1" smtClean="0">
-                <a:solidFill>
-                  <a:schemeClr val="bg1"/>
-                </a:solidFill>
-                <a:latin typeface="Courier New" pitchFamily="49" charset="0"/>
-                <a:ea typeface="Calibri"/>
-                <a:cs typeface="Courier New" pitchFamily="49" charset="0"/>
-              </a:rPr>
-              <a:t>TransformImage</a:t>
-            </a:r>
-            <a:r>
-              <a:rPr lang="en-GB" sz="1600" b="1" dirty="0" smtClean="0">
-                <a:solidFill>
-                  <a:schemeClr val="bg1"/>
-                </a:solidFill>
-                <a:latin typeface="Courier New" pitchFamily="49" charset="0"/>
-                <a:ea typeface="Calibri"/>
-                <a:cs typeface="Courier New" pitchFamily="49" charset="0"/>
-              </a:rPr>
-              <a:t>(</a:t>
-            </a:r>
-            <a:r>
-              <a:rPr lang="en-GB" sz="1600" b="1" dirty="0" err="1" smtClean="0">
-                <a:solidFill>
-                  <a:schemeClr val="bg1"/>
-                </a:solidFill>
-                <a:latin typeface="Courier New" pitchFamily="49" charset="0"/>
-                <a:ea typeface="Calibri"/>
-                <a:cs typeface="Courier New" pitchFamily="49" charset="0"/>
-              </a:rPr>
-              <a:t>pixels,i</a:t>
-            </a:r>
-            <a:r>
-              <a:rPr lang="en-GB" sz="1600" b="1" dirty="0" smtClean="0">
-                <a:solidFill>
-                  <a:schemeClr val="bg1"/>
-                </a:solidFill>
-                <a:latin typeface="Courier New" pitchFamily="49" charset="0"/>
-                <a:ea typeface="Calibri"/>
-                <a:cs typeface="Courier New" pitchFamily="49" charset="0"/>
-              </a:rPr>
-              <a:t>)</a:t>
-            </a:r>
-          </a:p>
-          <a:p>
-            <a:pPr algn="l">
-              <a:lnSpc>
-                <a:spcPct val="120000"/>
-              </a:lnSpc>
-              <a:spcAft>
-                <a:spcPts val="0"/>
-              </a:spcAft>
-            </a:pPr>
-            <a:r>
-              <a:rPr lang="en-GB" sz="1600" b="1" dirty="0" smtClean="0">
-                <a:solidFill>
-                  <a:schemeClr val="bg1"/>
-                </a:solidFill>
-                <a:latin typeface="Courier New" pitchFamily="49" charset="0"/>
-                <a:ea typeface="Calibri"/>
-                <a:cs typeface="Courier New" pitchFamily="49" charset="0"/>
-              </a:rPr>
-              <a:t>            let  </a:t>
-            </a:r>
-            <a:r>
-              <a:rPr lang="en-GB" sz="1600" b="1" dirty="0" err="1" smtClean="0">
-                <a:solidFill>
-                  <a:schemeClr val="bg1"/>
-                </a:solidFill>
-                <a:latin typeface="Courier New" pitchFamily="49" charset="0"/>
-                <a:ea typeface="Calibri"/>
-                <a:cs typeface="Courier New" pitchFamily="49" charset="0"/>
-              </a:rPr>
-              <a:t>outStream</a:t>
-            </a:r>
-            <a:r>
-              <a:rPr lang="en-GB" sz="1600" b="1" dirty="0" smtClean="0">
-                <a:solidFill>
-                  <a:schemeClr val="bg1"/>
-                </a:solidFill>
-                <a:latin typeface="Courier New" pitchFamily="49" charset="0"/>
-                <a:ea typeface="Calibri"/>
-                <a:cs typeface="Courier New" pitchFamily="49" charset="0"/>
-              </a:rPr>
-              <a:t> = </a:t>
-            </a:r>
-            <a:r>
-              <a:rPr lang="en-GB" sz="1600" b="1" dirty="0" err="1" smtClean="0">
-                <a:solidFill>
-                  <a:schemeClr val="bg1"/>
-                </a:solidFill>
-                <a:latin typeface="Courier New" pitchFamily="49" charset="0"/>
-                <a:ea typeface="Calibri"/>
-                <a:cs typeface="Courier New" pitchFamily="49" charset="0"/>
-              </a:rPr>
-              <a:t>File.OpenWrite</a:t>
-            </a:r>
-            <a:r>
-              <a:rPr lang="en-GB" sz="1600" b="1" dirty="0" smtClean="0">
-                <a:solidFill>
-                  <a:schemeClr val="bg1"/>
-                </a:solidFill>
-                <a:latin typeface="Courier New" pitchFamily="49" charset="0"/>
-                <a:ea typeface="Calibri"/>
-                <a:cs typeface="Courier New" pitchFamily="49" charset="0"/>
-              </a:rPr>
-              <a:t>(</a:t>
-            </a:r>
-            <a:r>
-              <a:rPr lang="en-GB" sz="1600" b="1" dirty="0" err="1" smtClean="0">
-                <a:solidFill>
-                  <a:schemeClr val="bg1"/>
-                </a:solidFill>
-                <a:latin typeface="Courier New" pitchFamily="49" charset="0"/>
-                <a:ea typeface="Calibri"/>
-                <a:cs typeface="Courier New" pitchFamily="49" charset="0"/>
-              </a:rPr>
-              <a:t>sprintf</a:t>
-            </a:r>
-            <a:r>
-              <a:rPr lang="en-GB" sz="1600" b="1" dirty="0" smtClean="0">
-                <a:solidFill>
-                  <a:schemeClr val="bg1"/>
-                </a:solidFill>
-                <a:latin typeface="Courier New" pitchFamily="49" charset="0"/>
-                <a:ea typeface="Calibri"/>
-                <a:cs typeface="Courier New" pitchFamily="49" charset="0"/>
-              </a:rPr>
-              <a:t> "</a:t>
-            </a:r>
-            <a:r>
-              <a:rPr lang="en-GB" sz="1600" b="1" dirty="0" err="1" smtClean="0">
-                <a:solidFill>
-                  <a:schemeClr val="bg1"/>
-                </a:solidFill>
-                <a:latin typeface="Courier New" pitchFamily="49" charset="0"/>
-                <a:ea typeface="Calibri"/>
-                <a:cs typeface="Courier New" pitchFamily="49" charset="0"/>
-              </a:rPr>
-              <a:t>result%d.jpg</a:t>
-            </a:r>
-            <a:r>
-              <a:rPr lang="en-GB" sz="1600" b="1" dirty="0" smtClean="0">
-                <a:solidFill>
-                  <a:schemeClr val="bg1"/>
-                </a:solidFill>
-                <a:latin typeface="Courier New" pitchFamily="49" charset="0"/>
-                <a:ea typeface="Calibri"/>
-                <a:cs typeface="Courier New" pitchFamily="49" charset="0"/>
-              </a:rPr>
-              <a:t>" </a:t>
-            </a:r>
-            <a:r>
-              <a:rPr lang="en-GB" sz="1600" b="1" dirty="0" err="1" smtClean="0">
-                <a:solidFill>
-                  <a:schemeClr val="bg1"/>
-                </a:solidFill>
-                <a:latin typeface="Courier New" pitchFamily="49" charset="0"/>
-                <a:ea typeface="Calibri"/>
-                <a:cs typeface="Courier New" pitchFamily="49" charset="0"/>
-              </a:rPr>
-              <a:t>i</a:t>
-            </a:r>
-            <a:r>
-              <a:rPr lang="en-GB" sz="1600" b="1" dirty="0" smtClean="0">
-                <a:solidFill>
-                  <a:schemeClr val="bg1"/>
-                </a:solidFill>
-                <a:latin typeface="Courier New" pitchFamily="49" charset="0"/>
-                <a:ea typeface="Calibri"/>
-                <a:cs typeface="Courier New" pitchFamily="49" charset="0"/>
-              </a:rPr>
-              <a:t>)</a:t>
-            </a:r>
-          </a:p>
-          <a:p>
-            <a:pPr algn="l">
-              <a:lnSpc>
-                <a:spcPct val="120000"/>
-              </a:lnSpc>
-              <a:spcAft>
-                <a:spcPts val="0"/>
-              </a:spcAft>
-            </a:pPr>
-            <a:r>
-              <a:rPr lang="en-GB" sz="1600" b="1" dirty="0" smtClean="0">
-                <a:solidFill>
-                  <a:schemeClr val="bg1"/>
-                </a:solidFill>
-                <a:latin typeface="Courier New" pitchFamily="49" charset="0"/>
-                <a:ea typeface="Calibri"/>
-                <a:cs typeface="Courier New" pitchFamily="49" charset="0"/>
-              </a:rPr>
-              <a:t>            do!  </a:t>
-            </a:r>
-            <a:r>
-              <a:rPr lang="en-GB" sz="1600" b="1" dirty="0" err="1" smtClean="0">
-                <a:solidFill>
-                  <a:schemeClr val="bg1"/>
-                </a:solidFill>
-                <a:latin typeface="Courier New" pitchFamily="49" charset="0"/>
-                <a:ea typeface="Calibri"/>
-                <a:cs typeface="Courier New" pitchFamily="49" charset="0"/>
-              </a:rPr>
-              <a:t>outStream.</a:t>
-            </a:r>
-            <a:r>
-              <a:rPr lang="en-GB" sz="1600" b="1" i="1" dirty="0" err="1" smtClean="0">
-                <a:solidFill>
-                  <a:schemeClr val="bg1"/>
-                </a:solidFill>
-                <a:latin typeface="Courier New" pitchFamily="49" charset="0"/>
-                <a:ea typeface="Calibri"/>
-                <a:cs typeface="Courier New" pitchFamily="49" charset="0"/>
-              </a:rPr>
-              <a:t>WriteAsync</a:t>
-            </a:r>
-            <a:r>
-              <a:rPr lang="en-GB" sz="1600" b="1" dirty="0" smtClean="0">
-                <a:solidFill>
-                  <a:schemeClr val="bg1"/>
-                </a:solidFill>
-                <a:latin typeface="Courier New" pitchFamily="49" charset="0"/>
-                <a:ea typeface="Calibri"/>
-                <a:cs typeface="Courier New" pitchFamily="49" charset="0"/>
-              </a:rPr>
-              <a:t>(pixels')</a:t>
-            </a:r>
-          </a:p>
-          <a:p>
-            <a:pPr algn="l">
-              <a:lnSpc>
-                <a:spcPct val="120000"/>
-              </a:lnSpc>
-              <a:spcAft>
-                <a:spcPts val="0"/>
-              </a:spcAft>
-            </a:pPr>
-            <a:r>
-              <a:rPr lang="en-GB" sz="1600" b="1" dirty="0" smtClean="0">
-                <a:solidFill>
-                  <a:schemeClr val="bg1"/>
-                </a:solidFill>
-                <a:latin typeface="Courier New" pitchFamily="49" charset="0"/>
-                <a:ea typeface="Calibri"/>
-                <a:cs typeface="Courier New" pitchFamily="49" charset="0"/>
-              </a:rPr>
-              <a:t>            do   </a:t>
-            </a:r>
-            <a:r>
-              <a:rPr lang="en-GB" sz="1600" b="1" dirty="0" err="1" smtClean="0">
-                <a:solidFill>
-                  <a:schemeClr val="bg1"/>
-                </a:solidFill>
-                <a:latin typeface="Courier New" pitchFamily="49" charset="0"/>
-                <a:ea typeface="Calibri"/>
-                <a:cs typeface="Courier New" pitchFamily="49" charset="0"/>
-              </a:rPr>
-              <a:t>Console.WriteLine</a:t>
-            </a:r>
-            <a:r>
-              <a:rPr lang="en-GB" sz="1600" b="1" dirty="0" smtClean="0">
-                <a:solidFill>
-                  <a:schemeClr val="bg1"/>
-                </a:solidFill>
-                <a:latin typeface="Courier New" pitchFamily="49" charset="0"/>
-                <a:ea typeface="Calibri"/>
-                <a:cs typeface="Courier New" pitchFamily="49" charset="0"/>
-              </a:rPr>
-              <a:t> "done!"  }</a:t>
-            </a:r>
-          </a:p>
-          <a:p>
-            <a:pPr algn="l">
-              <a:lnSpc>
-                <a:spcPct val="120000"/>
-              </a:lnSpc>
-              <a:spcAft>
-                <a:spcPts val="0"/>
-              </a:spcAft>
-            </a:pPr>
-            <a:r>
-              <a:rPr lang="en-GB" sz="1600" b="1" dirty="0" smtClean="0">
-                <a:solidFill>
-                  <a:schemeClr val="bg1"/>
-                </a:solidFill>
-                <a:latin typeface="Courier New" pitchFamily="49" charset="0"/>
-                <a:ea typeface="Calibri"/>
-                <a:cs typeface="Courier New" pitchFamily="49" charset="0"/>
-              </a:rPr>
-              <a:t> </a:t>
-            </a:r>
-          </a:p>
-          <a:p>
-            <a:pPr algn="l">
-              <a:lnSpc>
-                <a:spcPct val="120000"/>
-              </a:lnSpc>
-              <a:spcAft>
-                <a:spcPts val="0"/>
-              </a:spcAft>
-            </a:pPr>
-            <a:r>
-              <a:rPr lang="en-GB" sz="1600" b="1" dirty="0" smtClean="0">
-                <a:solidFill>
-                  <a:schemeClr val="bg1"/>
-                </a:solidFill>
-                <a:latin typeface="Courier New" pitchFamily="49" charset="0"/>
-                <a:ea typeface="Calibri"/>
-                <a:cs typeface="Courier New" pitchFamily="49" charset="0"/>
-              </a:rPr>
-              <a:t>let </a:t>
-            </a:r>
-            <a:r>
-              <a:rPr lang="en-GB" sz="1600" b="1" dirty="0" err="1" smtClean="0">
-                <a:solidFill>
-                  <a:schemeClr val="bg1"/>
-                </a:solidFill>
-                <a:latin typeface="Courier New" pitchFamily="49" charset="0"/>
-                <a:ea typeface="Calibri"/>
-                <a:cs typeface="Courier New" pitchFamily="49" charset="0"/>
-              </a:rPr>
-              <a:t>ProcessImagesAsync</a:t>
-            </a:r>
-            <a:r>
-              <a:rPr lang="en-GB" sz="1600" b="1" dirty="0" smtClean="0">
-                <a:solidFill>
-                  <a:schemeClr val="bg1"/>
-                </a:solidFill>
-                <a:latin typeface="Courier New" pitchFamily="49" charset="0"/>
-                <a:ea typeface="Calibri"/>
-                <a:cs typeface="Courier New" pitchFamily="49" charset="0"/>
-              </a:rPr>
-              <a:t>() =</a:t>
-            </a:r>
-          </a:p>
-          <a:p>
-            <a:pPr algn="l">
-              <a:lnSpc>
-                <a:spcPct val="120000"/>
-              </a:lnSpc>
-              <a:spcAft>
-                <a:spcPts val="0"/>
-              </a:spcAft>
-            </a:pPr>
-            <a:r>
-              <a:rPr lang="en-GB" sz="1600" b="1" dirty="0" smtClean="0">
-                <a:solidFill>
-                  <a:schemeClr val="bg1"/>
-                </a:solidFill>
-                <a:latin typeface="Courier New" pitchFamily="49" charset="0"/>
-                <a:ea typeface="Calibri"/>
-                <a:cs typeface="Courier New" pitchFamily="49" charset="0"/>
-              </a:rPr>
-              <a:t>    </a:t>
-            </a:r>
-            <a:r>
-              <a:rPr lang="en-GB" sz="1600" b="1" dirty="0" err="1" smtClean="0">
-                <a:solidFill>
-                  <a:schemeClr val="bg1"/>
-                </a:solidFill>
-                <a:latin typeface="Courier New" pitchFamily="49" charset="0"/>
-                <a:ea typeface="Calibri"/>
-                <a:cs typeface="Courier New" pitchFamily="49" charset="0"/>
-              </a:rPr>
-              <a:t>Async.Run</a:t>
-            </a:r>
-            <a:r>
-              <a:rPr lang="en-GB" sz="1600" b="1" dirty="0" smtClean="0">
-                <a:solidFill>
-                  <a:schemeClr val="bg1"/>
-                </a:solidFill>
-                <a:latin typeface="Courier New" pitchFamily="49" charset="0"/>
-                <a:ea typeface="Calibri"/>
-                <a:cs typeface="Courier New" pitchFamily="49" charset="0"/>
-              </a:rPr>
-              <a:t> (</a:t>
-            </a:r>
-            <a:r>
-              <a:rPr lang="en-GB" sz="1600" b="1" i="1" dirty="0" err="1" smtClean="0">
-                <a:solidFill>
-                  <a:schemeClr val="bg1"/>
-                </a:solidFill>
-                <a:latin typeface="Courier New" pitchFamily="49" charset="0"/>
-                <a:ea typeface="Calibri"/>
-                <a:cs typeface="Courier New" pitchFamily="49" charset="0"/>
-              </a:rPr>
-              <a:t>Async.Parallel</a:t>
-            </a:r>
-            <a:r>
-              <a:rPr lang="en-GB" sz="1600" b="1" dirty="0" smtClean="0">
-                <a:solidFill>
-                  <a:schemeClr val="bg1"/>
-                </a:solidFill>
-                <a:latin typeface="Courier New" pitchFamily="49" charset="0"/>
-                <a:ea typeface="Calibri"/>
-                <a:cs typeface="Courier New" pitchFamily="49" charset="0"/>
-              </a:rPr>
-              <a:t> </a:t>
-            </a:r>
-          </a:p>
-          <a:p>
-            <a:pPr algn="l">
-              <a:lnSpc>
-                <a:spcPct val="120000"/>
-              </a:lnSpc>
-              <a:spcAft>
-                <a:spcPts val="0"/>
-              </a:spcAft>
-            </a:pPr>
-            <a:r>
-              <a:rPr lang="en-GB" sz="1600" b="1" dirty="0" smtClean="0">
-                <a:solidFill>
-                  <a:schemeClr val="bg1"/>
-                </a:solidFill>
-                <a:latin typeface="Courier New" pitchFamily="49" charset="0"/>
-                <a:ea typeface="Calibri"/>
-                <a:cs typeface="Courier New" pitchFamily="49" charset="0"/>
-              </a:rPr>
-              <a:t>                 [ for </a:t>
-            </a:r>
-            <a:r>
-              <a:rPr lang="en-GB" sz="1600" b="1" dirty="0" err="1" smtClean="0">
-                <a:solidFill>
-                  <a:schemeClr val="bg1"/>
-                </a:solidFill>
-                <a:latin typeface="Courier New" pitchFamily="49" charset="0"/>
-                <a:ea typeface="Calibri"/>
-                <a:cs typeface="Courier New" pitchFamily="49" charset="0"/>
-              </a:rPr>
-              <a:t>i</a:t>
-            </a:r>
-            <a:r>
-              <a:rPr lang="en-GB" sz="1600" b="1" dirty="0" smtClean="0">
-                <a:solidFill>
-                  <a:schemeClr val="bg1"/>
-                </a:solidFill>
-                <a:latin typeface="Courier New" pitchFamily="49" charset="0"/>
-                <a:ea typeface="Calibri"/>
-                <a:cs typeface="Courier New" pitchFamily="49" charset="0"/>
-              </a:rPr>
-              <a:t> in 1 .. </a:t>
-            </a:r>
-            <a:r>
-              <a:rPr lang="en-GB" sz="1600" b="1" dirty="0" err="1" smtClean="0">
-                <a:solidFill>
-                  <a:schemeClr val="bg1"/>
-                </a:solidFill>
-                <a:latin typeface="Courier New" pitchFamily="49" charset="0"/>
-                <a:ea typeface="Calibri"/>
-                <a:cs typeface="Courier New" pitchFamily="49" charset="0"/>
-              </a:rPr>
-              <a:t>numImages</a:t>
-            </a:r>
-            <a:r>
-              <a:rPr lang="en-GB" sz="1600" b="1" dirty="0" smtClean="0">
-                <a:solidFill>
-                  <a:schemeClr val="bg1"/>
-                </a:solidFill>
-                <a:latin typeface="Courier New" pitchFamily="49" charset="0"/>
-                <a:ea typeface="Calibri"/>
-                <a:cs typeface="Courier New" pitchFamily="49" charset="0"/>
-              </a:rPr>
-              <a:t> -&gt; </a:t>
-            </a:r>
-            <a:r>
-              <a:rPr lang="en-GB" sz="1600" b="1" dirty="0" err="1" smtClean="0">
-                <a:solidFill>
-                  <a:schemeClr val="bg1"/>
-                </a:solidFill>
-                <a:latin typeface="Courier New" pitchFamily="49" charset="0"/>
-                <a:ea typeface="Calibri"/>
-                <a:cs typeface="Courier New" pitchFamily="49" charset="0"/>
-              </a:rPr>
-              <a:t>ProcessImageAsync</a:t>
-            </a:r>
-            <a:r>
-              <a:rPr lang="en-GB" sz="1600" b="1" dirty="0" smtClean="0">
-                <a:solidFill>
-                  <a:schemeClr val="bg1"/>
-                </a:solidFill>
-                <a:latin typeface="Courier New" pitchFamily="49" charset="0"/>
-                <a:ea typeface="Calibri"/>
-                <a:cs typeface="Courier New" pitchFamily="49" charset="0"/>
-              </a:rPr>
-              <a:t>(</a:t>
-            </a:r>
-            <a:r>
-              <a:rPr lang="en-GB" sz="1600" b="1" dirty="0" err="1" smtClean="0">
-                <a:solidFill>
-                  <a:schemeClr val="bg1"/>
-                </a:solidFill>
-                <a:latin typeface="Courier New" pitchFamily="49" charset="0"/>
-                <a:ea typeface="Calibri"/>
-                <a:cs typeface="Courier New" pitchFamily="49" charset="0"/>
-              </a:rPr>
-              <a:t>i</a:t>
-            </a:r>
-            <a:r>
-              <a:rPr lang="en-GB" sz="1600" b="1" dirty="0" smtClean="0">
-                <a:solidFill>
-                  <a:schemeClr val="bg1"/>
-                </a:solidFill>
-                <a:latin typeface="Courier New" pitchFamily="49" charset="0"/>
-                <a:ea typeface="Calibri"/>
-                <a:cs typeface="Courier New" pitchFamily="49" charset="0"/>
-              </a:rPr>
-              <a:t>) ])</a:t>
-            </a:r>
-          </a:p>
-          <a:p>
-            <a:pPr algn="l">
-              <a:lnSpc>
-                <a:spcPct val="120000"/>
-              </a:lnSpc>
-              <a:spcAft>
-                <a:spcPts val="0"/>
-              </a:spcAft>
-            </a:pPr>
-            <a:r>
-              <a:rPr lang="en-GB" sz="1600" b="1" dirty="0" smtClean="0">
-                <a:solidFill>
-                  <a:schemeClr val="bg1"/>
-                </a:solidFill>
-                <a:latin typeface="Courier New" pitchFamily="49" charset="0"/>
-                <a:ea typeface="Calibri"/>
-                <a:cs typeface="Courier New" pitchFamily="49" charset="0"/>
-              </a:rPr>
-              <a:t> </a:t>
-            </a:r>
-            <a:endParaRPr lang="en-GB" sz="1600" b="1" dirty="0">
-              <a:solidFill>
-                <a:schemeClr val="bg1"/>
-              </a:solidFill>
-              <a:latin typeface="Courier New" pitchFamily="49" charset="0"/>
-              <a:ea typeface="Calibri"/>
-              <a:cs typeface="Courier New" pitchFamily="49" charset="0"/>
-            </a:endParaRPr>
-          </a:p>
-        </p:txBody>
-      </p:sp>
-      <p:sp>
-        <p:nvSpPr>
-          <p:cNvPr id="1231874" name="Rectangle 2"/>
-          <p:cNvSpPr>
-            <a:spLocks noGrp="1" noChangeArrowheads="1"/>
-          </p:cNvSpPr>
-          <p:nvPr>
-            <p:ph type="title"/>
-          </p:nvPr>
-        </p:nvSpPr>
-        <p:spPr>
-          <a:xfrm>
-            <a:off x="500034" y="0"/>
-            <a:ext cx="8229600" cy="1143000"/>
-          </a:xfrm>
-        </p:spPr>
-        <p:txBody>
-          <a:bodyPr>
-            <a:normAutofit/>
-          </a:bodyPr>
-          <a:lstStyle/>
-          <a:p>
-            <a:r>
-              <a:rPr lang="en-GB" dirty="0" smtClean="0"/>
-              <a:t>Asynchronous I/O</a:t>
-            </a:r>
-            <a:endParaRPr lang="en-GB" dirty="0"/>
-          </a:p>
-        </p:txBody>
-      </p:sp>
-      <p:sp>
-        <p:nvSpPr>
-          <p:cNvPr id="9" name="Rectangular Callout 8"/>
-          <p:cNvSpPr/>
-          <p:nvPr/>
-        </p:nvSpPr>
-        <p:spPr>
-          <a:xfrm>
-            <a:off x="7191375" y="1143000"/>
-            <a:ext cx="1828800" cy="914400"/>
-          </a:xfrm>
-          <a:prstGeom prst="wedgeRectCallout">
-            <a:avLst>
-              <a:gd name="adj1" fmla="val -92297"/>
-              <a:gd name="adj2" fmla="val 123508"/>
-            </a:avLst>
-          </a:prstGeom>
-        </p:spPr>
-        <p:style>
-          <a:lnRef idx="2">
-            <a:schemeClr val="accent5">
-              <a:shade val="50000"/>
-            </a:schemeClr>
-          </a:lnRef>
-          <a:fillRef idx="1">
-            <a:schemeClr val="accent5"/>
-          </a:fillRef>
-          <a:effectRef idx="0">
-            <a:schemeClr val="accent5"/>
-          </a:effectRef>
-          <a:fontRef idx="minor">
-            <a:schemeClr val="lt1"/>
-          </a:fontRef>
-        </p:style>
-        <p:txBody>
-          <a:bodyPr rtlCol="0" anchor="ctr"/>
-          <a:lstStyle/>
-          <a:p>
-            <a:pPr algn="ctr"/>
-            <a:r>
-              <a:rPr lang="en-GB" b="1" dirty="0" smtClean="0">
-                <a:solidFill>
-                  <a:schemeClr val="tx1"/>
-                </a:solidFill>
-              </a:rPr>
-              <a:t>Read from the file,</a:t>
-            </a:r>
-          </a:p>
-          <a:p>
-            <a:pPr algn="ctr"/>
-            <a:r>
-              <a:rPr lang="en-GB" sz="1600" b="1" dirty="0" smtClean="0">
-                <a:solidFill>
-                  <a:schemeClr val="tx1"/>
-                </a:solidFill>
-              </a:rPr>
-              <a:t>asynchronously</a:t>
-            </a:r>
-            <a:endParaRPr lang="en-GB" b="1" dirty="0" smtClean="0">
-              <a:solidFill>
-                <a:schemeClr val="tx1"/>
-              </a:solidFill>
-            </a:endParaRPr>
-          </a:p>
-        </p:txBody>
-      </p:sp>
-      <p:sp>
-        <p:nvSpPr>
-          <p:cNvPr id="10" name="Rectangle 9"/>
-          <p:cNvSpPr/>
-          <p:nvPr/>
-        </p:nvSpPr>
-        <p:spPr>
-          <a:xfrm>
-            <a:off x="3905249" y="2752725"/>
-            <a:ext cx="3724275" cy="304800"/>
-          </a:xfrm>
-          <a:prstGeom prst="rect">
-            <a:avLst/>
-          </a:prstGeom>
-          <a:solidFill>
-            <a:srgbClr val="94B6D2">
-              <a:alpha val="29020"/>
-            </a:srgbClr>
-          </a:solidFill>
-        </p:spPr>
-        <p:style>
-          <a:lnRef idx="2">
-            <a:schemeClr val="accent1">
-              <a:shade val="50000"/>
-            </a:schemeClr>
-          </a:lnRef>
-          <a:fillRef idx="1">
-            <a:schemeClr val="accent1"/>
-          </a:fillRef>
-          <a:effectRef idx="0">
-            <a:schemeClr val="accent1"/>
-          </a:effectRef>
-          <a:fontRef idx="minor">
-            <a:schemeClr val="lt1"/>
-          </a:fontRef>
-        </p:style>
-        <p:txBody>
-          <a:bodyPr rtlCol="0" anchor="ctr"/>
-          <a:lstStyle/>
-          <a:p>
-            <a:pPr algn="ctr"/>
-            <a:endParaRPr lang="en-GB"/>
-          </a:p>
-        </p:txBody>
-      </p:sp>
-      <p:sp>
-        <p:nvSpPr>
-          <p:cNvPr id="11" name="Rectangular Callout 10"/>
-          <p:cNvSpPr/>
-          <p:nvPr/>
-        </p:nvSpPr>
-        <p:spPr>
-          <a:xfrm>
-            <a:off x="333374" y="5695949"/>
-            <a:ext cx="2390775" cy="646331"/>
-          </a:xfrm>
-          <a:prstGeom prst="wedgeRectCallout">
-            <a:avLst>
-              <a:gd name="adj1" fmla="val 20162"/>
-              <a:gd name="adj2" fmla="val -49779"/>
-            </a:avLst>
-          </a:prstGeom>
-        </p:spPr>
-        <p:style>
-          <a:lnRef idx="2">
-            <a:schemeClr val="accent5">
-              <a:shade val="50000"/>
-            </a:schemeClr>
-          </a:lnRef>
-          <a:fillRef idx="1">
-            <a:schemeClr val="accent5"/>
-          </a:fillRef>
-          <a:effectRef idx="0">
-            <a:schemeClr val="accent5"/>
-          </a:effectRef>
-          <a:fontRef idx="minor">
-            <a:schemeClr val="lt1"/>
-          </a:fontRef>
-        </p:style>
-        <p:txBody>
-          <a:bodyPr wrap="square" rtlCol="0" anchor="ctr">
-            <a:spAutoFit/>
-          </a:bodyPr>
-          <a:lstStyle/>
-          <a:p>
-            <a:pPr algn="ctr"/>
-            <a:r>
-              <a:rPr lang="en-GB" b="1" dirty="0" smtClean="0">
-                <a:solidFill>
-                  <a:schemeClr val="tx1"/>
-                </a:solidFill>
-              </a:rPr>
-              <a:t>“!” </a:t>
-            </a:r>
-          </a:p>
-          <a:p>
-            <a:pPr algn="ctr"/>
-            <a:r>
-              <a:rPr lang="en-GB" b="1" dirty="0" smtClean="0">
-                <a:solidFill>
-                  <a:schemeClr val="tx1"/>
-                </a:solidFill>
-              </a:rPr>
-              <a:t>= “asynchronous”</a:t>
-            </a:r>
-          </a:p>
-        </p:txBody>
-      </p:sp>
-      <p:sp>
-        <p:nvSpPr>
-          <p:cNvPr id="12" name="Rectangular Callout 11"/>
-          <p:cNvSpPr/>
-          <p:nvPr/>
-        </p:nvSpPr>
-        <p:spPr>
-          <a:xfrm>
-            <a:off x="6848475" y="4000500"/>
-            <a:ext cx="1828800" cy="584775"/>
-          </a:xfrm>
-          <a:prstGeom prst="wedgeRectCallout">
-            <a:avLst>
-              <a:gd name="adj1" fmla="val -78067"/>
-              <a:gd name="adj2" fmla="val -54129"/>
-            </a:avLst>
-          </a:prstGeom>
-        </p:spPr>
-        <p:style>
-          <a:lnRef idx="2">
-            <a:schemeClr val="accent5">
-              <a:shade val="50000"/>
-            </a:schemeClr>
-          </a:lnRef>
-          <a:fillRef idx="1">
-            <a:schemeClr val="accent5"/>
-          </a:fillRef>
-          <a:effectRef idx="0">
-            <a:schemeClr val="accent5"/>
-          </a:effectRef>
-          <a:fontRef idx="minor">
-            <a:schemeClr val="lt1"/>
-          </a:fontRef>
-        </p:style>
-        <p:txBody>
-          <a:bodyPr rtlCol="0" anchor="ctr">
-            <a:spAutoFit/>
-          </a:bodyPr>
-          <a:lstStyle/>
-          <a:p>
-            <a:pPr algn="ctr"/>
-            <a:r>
-              <a:rPr lang="en-GB" sz="1600" b="1" smtClean="0">
-                <a:solidFill>
-                  <a:schemeClr val="tx1"/>
-                </a:solidFill>
-              </a:rPr>
-              <a:t>Write the result, asynchronously</a:t>
-            </a:r>
-            <a:endParaRPr lang="en-GB" sz="1600" b="1" dirty="0" smtClean="0">
-              <a:solidFill>
-                <a:schemeClr val="tx1"/>
-              </a:solidFill>
-            </a:endParaRPr>
-          </a:p>
-        </p:txBody>
-      </p:sp>
-      <p:sp>
-        <p:nvSpPr>
-          <p:cNvPr id="14" name="Rectangular Callout 13"/>
-          <p:cNvSpPr/>
-          <p:nvPr/>
-        </p:nvSpPr>
-        <p:spPr>
-          <a:xfrm>
-            <a:off x="0" y="3419475"/>
-            <a:ext cx="1657350" cy="646331"/>
-          </a:xfrm>
-          <a:prstGeom prst="wedgeRectCallout">
-            <a:avLst>
-              <a:gd name="adj1" fmla="val 21727"/>
-              <a:gd name="adj2" fmla="val -135925"/>
-            </a:avLst>
-          </a:prstGeom>
-        </p:spPr>
-        <p:style>
-          <a:lnRef idx="2">
-            <a:schemeClr val="accent5">
-              <a:shade val="50000"/>
-            </a:schemeClr>
-          </a:lnRef>
-          <a:fillRef idx="1">
-            <a:schemeClr val="accent5"/>
-          </a:fillRef>
-          <a:effectRef idx="0">
-            <a:schemeClr val="accent5"/>
-          </a:effectRef>
-          <a:fontRef idx="minor">
-            <a:schemeClr val="lt1"/>
-          </a:fontRef>
-        </p:style>
-        <p:txBody>
-          <a:bodyPr wrap="square" rtlCol="0" anchor="ctr">
-            <a:spAutoFit/>
-          </a:bodyPr>
-          <a:lstStyle/>
-          <a:p>
-            <a:pPr algn="ctr"/>
-            <a:r>
-              <a:rPr lang="en-GB" b="1" dirty="0" smtClean="0">
-                <a:solidFill>
-                  <a:schemeClr val="tx1"/>
-                </a:solidFill>
-              </a:rPr>
-              <a:t>This object coordinates</a:t>
-            </a:r>
-          </a:p>
-        </p:txBody>
-      </p:sp>
-      <p:sp>
-        <p:nvSpPr>
-          <p:cNvPr id="15" name="Rectangular Callout 14"/>
-          <p:cNvSpPr/>
-          <p:nvPr/>
-        </p:nvSpPr>
-        <p:spPr>
-          <a:xfrm>
-            <a:off x="1285875" y="1076325"/>
-            <a:ext cx="1828800" cy="923330"/>
-          </a:xfrm>
-          <a:prstGeom prst="wedgeRectCallout">
-            <a:avLst>
-              <a:gd name="adj1" fmla="val 26962"/>
-              <a:gd name="adj2" fmla="val 61913"/>
-            </a:avLst>
-          </a:prstGeom>
-        </p:spPr>
-        <p:style>
-          <a:lnRef idx="1">
-            <a:schemeClr val="accent1"/>
-          </a:lnRef>
-          <a:fillRef idx="2">
-            <a:schemeClr val="accent1"/>
-          </a:fillRef>
-          <a:effectRef idx="1">
-            <a:schemeClr val="accent1"/>
-          </a:effectRef>
-          <a:fontRef idx="minor">
-            <a:schemeClr val="dk1"/>
-          </a:fontRef>
-        </p:style>
-        <p:txBody>
-          <a:bodyPr rtlCol="0" anchor="ctr">
-            <a:spAutoFit/>
-          </a:bodyPr>
-          <a:lstStyle/>
-          <a:p>
-            <a:pPr algn="ctr"/>
-            <a:r>
-              <a:rPr lang="en-GB" b="1" dirty="0" smtClean="0">
-                <a:solidFill>
-                  <a:schemeClr val="bg1"/>
-                </a:solidFill>
-              </a:rPr>
-              <a:t>Equivalent F# code </a:t>
-            </a:r>
-          </a:p>
-          <a:p>
-            <a:pPr algn="ctr"/>
-            <a:r>
-              <a:rPr lang="en-GB" b="1" dirty="0" smtClean="0">
-                <a:solidFill>
-                  <a:schemeClr val="bg1"/>
-                </a:solidFill>
-              </a:rPr>
-              <a:t>(same </a:t>
-            </a:r>
-            <a:r>
-              <a:rPr lang="en-GB" b="1" dirty="0" err="1" smtClean="0">
-                <a:solidFill>
-                  <a:schemeClr val="bg1"/>
-                </a:solidFill>
-              </a:rPr>
-              <a:t>perf</a:t>
-            </a:r>
-            <a:r>
-              <a:rPr lang="en-GB" b="1" dirty="0" smtClean="0">
-                <a:solidFill>
-                  <a:schemeClr val="bg1"/>
-                </a:solidFill>
-              </a:rPr>
-              <a:t>)</a:t>
-            </a:r>
-          </a:p>
-        </p:txBody>
-      </p:sp>
-      <p:sp>
-        <p:nvSpPr>
-          <p:cNvPr id="16" name="Rectangular Callout 15"/>
-          <p:cNvSpPr/>
-          <p:nvPr/>
-        </p:nvSpPr>
-        <p:spPr>
-          <a:xfrm>
-            <a:off x="6896100" y="5581650"/>
-            <a:ext cx="1828800" cy="830997"/>
-          </a:xfrm>
-          <a:prstGeom prst="wedgeRectCallout">
-            <a:avLst>
-              <a:gd name="adj1" fmla="val -96512"/>
-              <a:gd name="adj2" fmla="val -71197"/>
-            </a:avLst>
-          </a:prstGeom>
-        </p:spPr>
-        <p:style>
-          <a:lnRef idx="2">
-            <a:schemeClr val="accent5">
-              <a:shade val="50000"/>
-            </a:schemeClr>
-          </a:lnRef>
-          <a:fillRef idx="1">
-            <a:schemeClr val="accent5"/>
-          </a:fillRef>
-          <a:effectRef idx="0">
-            <a:schemeClr val="accent5"/>
-          </a:effectRef>
-          <a:fontRef idx="minor">
-            <a:schemeClr val="lt1"/>
-          </a:fontRef>
-        </p:style>
-        <p:txBody>
-          <a:bodyPr rtlCol="0" anchor="ctr">
-            <a:spAutoFit/>
-          </a:bodyPr>
-          <a:lstStyle/>
-          <a:p>
-            <a:pPr algn="ctr"/>
-            <a:r>
-              <a:rPr lang="en-GB" sz="1600" b="1" dirty="0" smtClean="0">
-                <a:solidFill>
-                  <a:schemeClr val="tx1"/>
-                </a:solidFill>
-              </a:rPr>
-              <a:t>Generate the tasks and queue them in parallel</a:t>
-            </a:r>
-          </a:p>
-        </p:txBody>
-      </p:sp>
-      <p:sp>
-        <p:nvSpPr>
-          <p:cNvPr id="18" name="Rectangle 17"/>
-          <p:cNvSpPr/>
-          <p:nvPr/>
-        </p:nvSpPr>
-        <p:spPr>
-          <a:xfrm>
-            <a:off x="2447925" y="3590925"/>
-            <a:ext cx="3762375" cy="381000"/>
-          </a:xfrm>
-          <a:prstGeom prst="rect">
-            <a:avLst/>
-          </a:prstGeom>
-          <a:solidFill>
-            <a:srgbClr val="94B6D2">
-              <a:alpha val="29020"/>
-            </a:srgbClr>
-          </a:solidFill>
-        </p:spPr>
-        <p:style>
-          <a:lnRef idx="2">
-            <a:schemeClr val="accent1">
-              <a:shade val="50000"/>
-            </a:schemeClr>
-          </a:lnRef>
-          <a:fillRef idx="1">
-            <a:schemeClr val="accent1"/>
-          </a:fillRef>
-          <a:effectRef idx="0">
-            <a:schemeClr val="accent1"/>
-          </a:effectRef>
-          <a:fontRef idx="minor">
-            <a:schemeClr val="lt1"/>
-          </a:fontRef>
-        </p:style>
-        <p:txBody>
-          <a:bodyPr rtlCol="0" anchor="ctr"/>
-          <a:lstStyle/>
-          <a:p>
-            <a:pPr algn="ctr"/>
-            <a:endParaRPr lang="en-GB"/>
-          </a:p>
-        </p:txBody>
-      </p:sp>
-      <p:sp>
-        <p:nvSpPr>
-          <p:cNvPr id="21" name="Rectangular Callout 20"/>
-          <p:cNvSpPr/>
-          <p:nvPr/>
-        </p:nvSpPr>
-        <p:spPr>
-          <a:xfrm>
-            <a:off x="4838700" y="971549"/>
-            <a:ext cx="1828800" cy="657225"/>
-          </a:xfrm>
-          <a:prstGeom prst="wedgeRectCallout">
-            <a:avLst>
-              <a:gd name="adj1" fmla="val -34753"/>
-              <a:gd name="adj2" fmla="val 171727"/>
-            </a:avLst>
-          </a:prstGeom>
-        </p:spPr>
-        <p:style>
-          <a:lnRef idx="2">
-            <a:schemeClr val="accent5">
-              <a:shade val="50000"/>
-            </a:schemeClr>
-          </a:lnRef>
-          <a:fillRef idx="1">
-            <a:schemeClr val="accent5"/>
-          </a:fillRef>
-          <a:effectRef idx="0">
-            <a:schemeClr val="accent5"/>
-          </a:effectRef>
-          <a:fontRef idx="minor">
-            <a:schemeClr val="lt1"/>
-          </a:fontRef>
-        </p:style>
-        <p:txBody>
-          <a:bodyPr rtlCol="0" anchor="ctr"/>
-          <a:lstStyle/>
-          <a:p>
-            <a:pPr algn="ctr"/>
-            <a:r>
-              <a:rPr lang="en-GB" b="1" dirty="0" smtClean="0">
-                <a:solidFill>
-                  <a:schemeClr val="tx1"/>
-                </a:solidFill>
-              </a:rPr>
-              <a:t>Open the file, synchronously</a:t>
-            </a:r>
-          </a:p>
-        </p:txBody>
-      </p:sp>
-      <p:sp>
-        <p:nvSpPr>
-          <p:cNvPr id="25" name="Rectangle 24"/>
-          <p:cNvSpPr/>
-          <p:nvPr/>
-        </p:nvSpPr>
-        <p:spPr>
-          <a:xfrm>
-            <a:off x="3895724" y="2447925"/>
-            <a:ext cx="4943475" cy="304800"/>
-          </a:xfrm>
-          <a:prstGeom prst="rect">
-            <a:avLst/>
-          </a:prstGeom>
-          <a:solidFill>
-            <a:srgbClr val="94B6D2">
-              <a:alpha val="29020"/>
-            </a:srgbClr>
-          </a:solidFill>
-        </p:spPr>
-        <p:style>
-          <a:lnRef idx="2">
-            <a:schemeClr val="accent1">
-              <a:shade val="50000"/>
-            </a:schemeClr>
-          </a:lnRef>
-          <a:fillRef idx="1">
-            <a:schemeClr val="accent1"/>
-          </a:fillRef>
-          <a:effectRef idx="0">
-            <a:schemeClr val="accent1"/>
-          </a:effectRef>
-          <a:fontRef idx="minor">
-            <a:schemeClr val="lt1"/>
-          </a:fontRef>
-        </p:style>
-        <p:txBody>
-          <a:bodyPr rtlCol="0" anchor="ctr"/>
-          <a:lstStyle/>
-          <a:p>
-            <a:pPr algn="ctr"/>
-            <a:endParaRPr lang="en-GB"/>
-          </a:p>
-        </p:txBody>
-      </p:sp>
-      <p:sp>
-        <p:nvSpPr>
-          <p:cNvPr id="26" name="Rectangle 25"/>
-          <p:cNvSpPr/>
-          <p:nvPr/>
-        </p:nvSpPr>
-        <p:spPr>
-          <a:xfrm>
-            <a:off x="1866900" y="2743200"/>
-            <a:ext cx="685800" cy="381000"/>
-          </a:xfrm>
-          <a:prstGeom prst="rect">
-            <a:avLst/>
-          </a:prstGeom>
-          <a:solidFill>
-            <a:srgbClr val="94B6D2">
-              <a:alpha val="29020"/>
-            </a:srgbClr>
-          </a:solidFill>
-        </p:spPr>
-        <p:style>
-          <a:lnRef idx="2">
-            <a:schemeClr val="accent1">
-              <a:shade val="50000"/>
-            </a:schemeClr>
-          </a:lnRef>
-          <a:fillRef idx="1">
-            <a:schemeClr val="accent1"/>
-          </a:fillRef>
-          <a:effectRef idx="0">
-            <a:schemeClr val="accent1"/>
-          </a:effectRef>
-          <a:fontRef idx="minor">
-            <a:schemeClr val="lt1"/>
-          </a:fontRef>
-        </p:style>
-        <p:txBody>
-          <a:bodyPr rtlCol="0" anchor="ctr"/>
-          <a:lstStyle/>
-          <a:p>
-            <a:pPr algn="ctr"/>
-            <a:endParaRPr lang="en-GB"/>
-          </a:p>
-        </p:txBody>
-      </p:sp>
-    </p:spTree>
-  </p:cSld>
-  <p:clrMapOvr>
-    <a:masterClrMapping/>
-  </p:clrMapOvr>
-  <p:transition/>
-  <p:timing>
-    <p:tnLst>
-      <p:par>
-        <p:cTn id="1" dur="indefinite" restart="never" nodeType="tmRoot">
-          <p:childTnLst>
-            <p:seq concurrent="1" nextAc="seek">
-              <p:cTn id="2" dur="indefinite" nodeType="mainSeq">
-                <p:childTnLst>
-                  <p:par>
-                    <p:cTn id="3" fill="hold">
-                      <p:stCondLst>
-                        <p:cond delay="indefinite"/>
-                      </p:stCondLst>
-                      <p:childTnLst>
-                        <p:par>
-                          <p:cTn id="4" fill="hold">
-                            <p:stCondLst>
-                              <p:cond delay="0"/>
-                            </p:stCondLst>
-                            <p:childTnLst>
-                              <p:par>
-                                <p:cTn id="5" presetID="1" presetClass="entr" presetSubtype="0" fill="hold" grpId="0" nodeType="clickEffect">
-                                  <p:stCondLst>
-                                    <p:cond delay="0"/>
-                                  </p:stCondLst>
-                                  <p:childTnLst>
-                                    <p:set>
-                                      <p:cBhvr>
-                                        <p:cTn id="6" dur="1" fill="hold">
-                                          <p:stCondLst>
-                                            <p:cond delay="0"/>
-                                          </p:stCondLst>
-                                        </p:cTn>
-                                        <p:tgtEl>
-                                          <p:spTgt spid="19"/>
-                                        </p:tgtEl>
-                                        <p:attrNameLst>
-                                          <p:attrName>style.visibility</p:attrName>
-                                        </p:attrNameLst>
-                                      </p:cBhvr>
-                                      <p:to>
-                                        <p:strVal val="visible"/>
-                                      </p:to>
-                                    </p:set>
-                                  </p:childTnLst>
-                                </p:cTn>
-                              </p:par>
-                              <p:par>
-                                <p:cTn id="7" presetID="1" presetClass="entr" presetSubtype="0" fill="hold" grpId="1" nodeType="withEffect">
-                                  <p:stCondLst>
-                                    <p:cond delay="0"/>
-                                  </p:stCondLst>
-                                  <p:childTnLst>
-                                    <p:set>
-                                      <p:cBhvr>
-                                        <p:cTn id="8" dur="1" fill="hold">
-                                          <p:stCondLst>
-                                            <p:cond delay="0"/>
-                                          </p:stCondLst>
-                                        </p:cTn>
-                                        <p:tgtEl>
-                                          <p:spTgt spid="15"/>
-                                        </p:tgtEl>
-                                        <p:attrNameLst>
-                                          <p:attrName>style.visibility</p:attrName>
-                                        </p:attrNameLst>
-                                      </p:cBhvr>
-                                      <p:to>
-                                        <p:strVal val="visible"/>
-                                      </p:to>
-                                    </p:set>
-                                  </p:childTnLst>
-                                </p:cTn>
-                              </p:par>
-                            </p:childTnLst>
-                          </p:cTn>
-                        </p:par>
-                      </p:childTnLst>
-                    </p:cTn>
-                  </p:par>
-                  <p:par>
-                    <p:cTn id="9" fill="hold">
-                      <p:stCondLst>
-                        <p:cond delay="indefinite"/>
-                      </p:stCondLst>
-                      <p:childTnLst>
-                        <p:par>
-                          <p:cTn id="10" fill="hold">
-                            <p:stCondLst>
-                              <p:cond delay="0"/>
-                            </p:stCondLst>
-                            <p:childTnLst>
-                              <p:par>
-                                <p:cTn id="11" presetID="1" presetClass="entr" presetSubtype="0" fill="hold" grpId="0" nodeType="clickEffect">
-                                  <p:stCondLst>
-                                    <p:cond delay="0"/>
-                                  </p:stCondLst>
-                                  <p:childTnLst>
-                                    <p:set>
-                                      <p:cBhvr>
-                                        <p:cTn id="12" dur="1" fill="hold">
-                                          <p:stCondLst>
-                                            <p:cond delay="0"/>
-                                          </p:stCondLst>
-                                        </p:cTn>
-                                        <p:tgtEl>
-                                          <p:spTgt spid="25"/>
-                                        </p:tgtEl>
-                                        <p:attrNameLst>
-                                          <p:attrName>style.visibility</p:attrName>
-                                        </p:attrNameLst>
-                                      </p:cBhvr>
-                                      <p:to>
-                                        <p:strVal val="visible"/>
-                                      </p:to>
-                                    </p:set>
-                                  </p:childTnLst>
-                                </p:cTn>
-                              </p:par>
-                              <p:par>
-                                <p:cTn id="13" presetID="1" presetClass="exit" presetSubtype="0" fill="hold" grpId="0" nodeType="withEffect">
-                                  <p:stCondLst>
-                                    <p:cond delay="0"/>
-                                  </p:stCondLst>
-                                  <p:childTnLst>
-                                    <p:set>
-                                      <p:cBhvr>
-                                        <p:cTn id="14" dur="1" fill="hold">
-                                          <p:stCondLst>
-                                            <p:cond delay="0"/>
-                                          </p:stCondLst>
-                                        </p:cTn>
-                                        <p:tgtEl>
-                                          <p:spTgt spid="15"/>
-                                        </p:tgtEl>
-                                        <p:attrNameLst>
-                                          <p:attrName>style.visibility</p:attrName>
-                                        </p:attrNameLst>
-                                      </p:cBhvr>
-                                      <p:to>
-                                        <p:strVal val="hidden"/>
-                                      </p:to>
-                                    </p:set>
-                                  </p:childTnLst>
-                                </p:cTn>
-                              </p:par>
-                              <p:par>
-                                <p:cTn id="15" presetID="1" presetClass="entr" presetSubtype="0" fill="hold" grpId="0" nodeType="withEffect">
-                                  <p:stCondLst>
-                                    <p:cond delay="0"/>
-                                  </p:stCondLst>
-                                  <p:childTnLst>
-                                    <p:set>
-                                      <p:cBhvr>
-                                        <p:cTn id="16" dur="1" fill="hold">
-                                          <p:stCondLst>
-                                            <p:cond delay="0"/>
-                                          </p:stCondLst>
-                                        </p:cTn>
-                                        <p:tgtEl>
-                                          <p:spTgt spid="21"/>
-                                        </p:tgtEl>
-                                        <p:attrNameLst>
-                                          <p:attrName>style.visibility</p:attrName>
-                                        </p:attrNameLst>
-                                      </p:cBhvr>
-                                      <p:to>
-                                        <p:strVal val="visible"/>
-                                      </p:to>
-                                    </p:set>
-                                  </p:childTnLst>
-                                </p:cTn>
-                              </p:par>
-                            </p:childTnLst>
-                          </p:cTn>
-                        </p:par>
-                      </p:childTnLst>
-                    </p:cTn>
-                  </p:par>
-                  <p:par>
-                    <p:cTn id="17" fill="hold">
-                      <p:stCondLst>
-                        <p:cond delay="indefinite"/>
-                      </p:stCondLst>
-                      <p:childTnLst>
-                        <p:par>
-                          <p:cTn id="18" fill="hold">
-                            <p:stCondLst>
-                              <p:cond delay="0"/>
-                            </p:stCondLst>
-                            <p:childTnLst>
-                              <p:par>
-                                <p:cTn id="19" presetID="1" presetClass="exit" presetSubtype="0" fill="hold" grpId="1" nodeType="clickEffect">
-                                  <p:stCondLst>
-                                    <p:cond delay="0"/>
-                                  </p:stCondLst>
-                                  <p:childTnLst>
-                                    <p:set>
-                                      <p:cBhvr>
-                                        <p:cTn id="20" dur="1" fill="hold">
-                                          <p:stCondLst>
-                                            <p:cond delay="0"/>
-                                          </p:stCondLst>
-                                        </p:cTn>
-                                        <p:tgtEl>
-                                          <p:spTgt spid="21"/>
-                                        </p:tgtEl>
-                                        <p:attrNameLst>
-                                          <p:attrName>style.visibility</p:attrName>
-                                        </p:attrNameLst>
-                                      </p:cBhvr>
-                                      <p:to>
-                                        <p:strVal val="hidden"/>
-                                      </p:to>
-                                    </p:set>
-                                  </p:childTnLst>
-                                </p:cTn>
-                              </p:par>
-                              <p:par>
-                                <p:cTn id="21" presetID="1" presetClass="exit" presetSubtype="0" fill="hold" grpId="1" nodeType="withEffect">
-                                  <p:stCondLst>
-                                    <p:cond delay="0"/>
-                                  </p:stCondLst>
-                                  <p:childTnLst>
-                                    <p:set>
-                                      <p:cBhvr>
-                                        <p:cTn id="22" dur="1" fill="hold">
-                                          <p:stCondLst>
-                                            <p:cond delay="0"/>
-                                          </p:stCondLst>
-                                        </p:cTn>
-                                        <p:tgtEl>
-                                          <p:spTgt spid="25"/>
-                                        </p:tgtEl>
-                                        <p:attrNameLst>
-                                          <p:attrName>style.visibility</p:attrName>
-                                        </p:attrNameLst>
-                                      </p:cBhvr>
-                                      <p:to>
-                                        <p:strVal val="hidden"/>
-                                      </p:to>
-                                    </p:set>
-                                  </p:childTnLst>
-                                </p:cTn>
-                              </p:par>
-                              <p:par>
-                                <p:cTn id="23" presetID="1" presetClass="entr" presetSubtype="0" fill="hold" grpId="0" nodeType="withEffect">
-                                  <p:stCondLst>
-                                    <p:cond delay="0"/>
-                                  </p:stCondLst>
-                                  <p:childTnLst>
-                                    <p:set>
-                                      <p:cBhvr>
-                                        <p:cTn id="24" dur="1" fill="hold">
-                                          <p:stCondLst>
-                                            <p:cond delay="0"/>
-                                          </p:stCondLst>
-                                        </p:cTn>
-                                        <p:tgtEl>
-                                          <p:spTgt spid="10"/>
-                                        </p:tgtEl>
-                                        <p:attrNameLst>
-                                          <p:attrName>style.visibility</p:attrName>
-                                        </p:attrNameLst>
-                                      </p:cBhvr>
-                                      <p:to>
-                                        <p:strVal val="visible"/>
-                                      </p:to>
-                                    </p:set>
-                                  </p:childTnLst>
-                                </p:cTn>
-                              </p:par>
-                              <p:par>
-                                <p:cTn id="25" presetID="1" presetClass="entr" presetSubtype="0" fill="hold" grpId="0" nodeType="withEffect">
-                                  <p:stCondLst>
-                                    <p:cond delay="0"/>
-                                  </p:stCondLst>
-                                  <p:childTnLst>
-                                    <p:set>
-                                      <p:cBhvr>
-                                        <p:cTn id="26" dur="1" fill="hold">
-                                          <p:stCondLst>
-                                            <p:cond delay="0"/>
-                                          </p:stCondLst>
-                                        </p:cTn>
-                                        <p:tgtEl>
-                                          <p:spTgt spid="9"/>
-                                        </p:tgtEl>
-                                        <p:attrNameLst>
-                                          <p:attrName>style.visibility</p:attrName>
-                                        </p:attrNameLst>
-                                      </p:cBhvr>
-                                      <p:to>
-                                        <p:strVal val="visible"/>
-                                      </p:to>
-                                    </p:set>
-                                  </p:childTnLst>
-                                </p:cTn>
-                              </p:par>
-                            </p:childTnLst>
-                          </p:cTn>
-                        </p:par>
-                      </p:childTnLst>
-                    </p:cTn>
-                  </p:par>
-                  <p:par>
-                    <p:cTn id="27" fill="hold">
-                      <p:stCondLst>
-                        <p:cond delay="indefinite"/>
-                      </p:stCondLst>
-                      <p:childTnLst>
-                        <p:par>
-                          <p:cTn id="28" fill="hold">
-                            <p:stCondLst>
-                              <p:cond delay="0"/>
-                            </p:stCondLst>
-                            <p:childTnLst>
-                              <p:par>
-                                <p:cTn id="29" presetID="1" presetClass="exit" presetSubtype="0" fill="hold" grpId="1" nodeType="clickEffect">
-                                  <p:stCondLst>
-                                    <p:cond delay="0"/>
-                                  </p:stCondLst>
-                                  <p:childTnLst>
-                                    <p:set>
-                                      <p:cBhvr>
-                                        <p:cTn id="30" dur="1" fill="hold">
-                                          <p:stCondLst>
-                                            <p:cond delay="0"/>
-                                          </p:stCondLst>
-                                        </p:cTn>
-                                        <p:tgtEl>
-                                          <p:spTgt spid="9"/>
-                                        </p:tgtEl>
-                                        <p:attrNameLst>
-                                          <p:attrName>style.visibility</p:attrName>
-                                        </p:attrNameLst>
-                                      </p:cBhvr>
-                                      <p:to>
-                                        <p:strVal val="hidden"/>
-                                      </p:to>
-                                    </p:set>
-                                  </p:childTnLst>
-                                </p:cTn>
-                              </p:par>
-                              <p:par>
-                                <p:cTn id="31" presetID="1" presetClass="exit" presetSubtype="0" fill="hold" grpId="1" nodeType="withEffect">
-                                  <p:stCondLst>
-                                    <p:cond delay="0"/>
-                                  </p:stCondLst>
-                                  <p:childTnLst>
-                                    <p:set>
-                                      <p:cBhvr>
-                                        <p:cTn id="32" dur="1" fill="hold">
-                                          <p:stCondLst>
-                                            <p:cond delay="0"/>
-                                          </p:stCondLst>
-                                        </p:cTn>
-                                        <p:tgtEl>
-                                          <p:spTgt spid="10"/>
-                                        </p:tgtEl>
-                                        <p:attrNameLst>
-                                          <p:attrName>style.visibility</p:attrName>
-                                        </p:attrNameLst>
-                                      </p:cBhvr>
-                                      <p:to>
-                                        <p:strVal val="hidden"/>
-                                      </p:to>
-                                    </p:set>
-                                  </p:childTnLst>
-                                </p:cTn>
-                              </p:par>
-                              <p:par>
-                                <p:cTn id="33" presetID="1" presetClass="entr" presetSubtype="0" fill="hold" grpId="0" nodeType="withEffect">
-                                  <p:stCondLst>
-                                    <p:cond delay="0"/>
-                                  </p:stCondLst>
-                                  <p:childTnLst>
-                                    <p:set>
-                                      <p:cBhvr>
-                                        <p:cTn id="34" dur="1" fill="hold">
-                                          <p:stCondLst>
-                                            <p:cond delay="0"/>
-                                          </p:stCondLst>
-                                        </p:cTn>
-                                        <p:tgtEl>
-                                          <p:spTgt spid="11"/>
-                                        </p:tgtEl>
-                                        <p:attrNameLst>
-                                          <p:attrName>style.visibility</p:attrName>
-                                        </p:attrNameLst>
-                                      </p:cBhvr>
-                                      <p:to>
-                                        <p:strVal val="visible"/>
-                                      </p:to>
-                                    </p:set>
-                                  </p:childTnLst>
-                                </p:cTn>
-                              </p:par>
-                              <p:par>
-                                <p:cTn id="35" presetID="1" presetClass="entr" presetSubtype="0" fill="hold" grpId="0" nodeType="withEffect">
-                                  <p:stCondLst>
-                                    <p:cond delay="0"/>
-                                  </p:stCondLst>
-                                  <p:childTnLst>
-                                    <p:set>
-                                      <p:cBhvr>
-                                        <p:cTn id="36" dur="1" fill="hold">
-                                          <p:stCondLst>
-                                            <p:cond delay="0"/>
-                                          </p:stCondLst>
-                                        </p:cTn>
-                                        <p:tgtEl>
-                                          <p:spTgt spid="26"/>
-                                        </p:tgtEl>
-                                        <p:attrNameLst>
-                                          <p:attrName>style.visibility</p:attrName>
-                                        </p:attrNameLst>
-                                      </p:cBhvr>
-                                      <p:to>
-                                        <p:strVal val="visible"/>
-                                      </p:to>
-                                    </p:set>
-                                  </p:childTnLst>
-                                </p:cTn>
-                              </p:par>
-                            </p:childTnLst>
-                          </p:cTn>
-                        </p:par>
-                      </p:childTnLst>
-                    </p:cTn>
-                  </p:par>
-                  <p:par>
-                    <p:cTn id="37" fill="hold">
-                      <p:stCondLst>
-                        <p:cond delay="indefinite"/>
-                      </p:stCondLst>
-                      <p:childTnLst>
-                        <p:par>
-                          <p:cTn id="38" fill="hold">
-                            <p:stCondLst>
-                              <p:cond delay="0"/>
-                            </p:stCondLst>
-                            <p:childTnLst>
-                              <p:par>
-                                <p:cTn id="39" presetID="1" presetClass="exit" presetSubtype="0" fill="hold" grpId="1" nodeType="clickEffect">
-                                  <p:stCondLst>
-                                    <p:cond delay="0"/>
-                                  </p:stCondLst>
-                                  <p:childTnLst>
-                                    <p:set>
-                                      <p:cBhvr>
-                                        <p:cTn id="40" dur="1" fill="hold">
-                                          <p:stCondLst>
-                                            <p:cond delay="0"/>
-                                          </p:stCondLst>
-                                        </p:cTn>
-                                        <p:tgtEl>
-                                          <p:spTgt spid="11"/>
-                                        </p:tgtEl>
-                                        <p:attrNameLst>
-                                          <p:attrName>style.visibility</p:attrName>
-                                        </p:attrNameLst>
-                                      </p:cBhvr>
-                                      <p:to>
-                                        <p:strVal val="hidden"/>
-                                      </p:to>
-                                    </p:set>
-                                  </p:childTnLst>
-                                </p:cTn>
-                              </p:par>
-                              <p:par>
-                                <p:cTn id="41" presetID="1" presetClass="entr" presetSubtype="0" fill="hold" grpId="0" nodeType="withEffect">
-                                  <p:stCondLst>
-                                    <p:cond delay="0"/>
-                                  </p:stCondLst>
-                                  <p:childTnLst>
-                                    <p:set>
-                                      <p:cBhvr>
-                                        <p:cTn id="42" dur="1" fill="hold">
-                                          <p:stCondLst>
-                                            <p:cond delay="0"/>
-                                          </p:stCondLst>
-                                        </p:cTn>
-                                        <p:tgtEl>
-                                          <p:spTgt spid="12"/>
-                                        </p:tgtEl>
-                                        <p:attrNameLst>
-                                          <p:attrName>style.visibility</p:attrName>
-                                        </p:attrNameLst>
-                                      </p:cBhvr>
-                                      <p:to>
-                                        <p:strVal val="visible"/>
-                                      </p:to>
-                                    </p:set>
-                                  </p:childTnLst>
-                                </p:cTn>
-                              </p:par>
-                              <p:par>
-                                <p:cTn id="43" presetID="1" presetClass="entr" presetSubtype="0" fill="hold" grpId="0" nodeType="withEffect">
-                                  <p:stCondLst>
-                                    <p:cond delay="0"/>
-                                  </p:stCondLst>
-                                  <p:childTnLst>
-                                    <p:set>
-                                      <p:cBhvr>
-                                        <p:cTn id="44" dur="1" fill="hold">
-                                          <p:stCondLst>
-                                            <p:cond delay="0"/>
-                                          </p:stCondLst>
-                                        </p:cTn>
-                                        <p:tgtEl>
-                                          <p:spTgt spid="18"/>
-                                        </p:tgtEl>
-                                        <p:attrNameLst>
-                                          <p:attrName>style.visibility</p:attrName>
-                                        </p:attrNameLst>
-                                      </p:cBhvr>
-                                      <p:to>
-                                        <p:strVal val="visible"/>
-                                      </p:to>
-                                    </p:set>
-                                  </p:childTnLst>
-                                </p:cTn>
-                              </p:par>
-                              <p:par>
-                                <p:cTn id="45" presetID="1" presetClass="exit" presetSubtype="0" fill="hold" grpId="1" nodeType="withEffect">
-                                  <p:stCondLst>
-                                    <p:cond delay="0"/>
-                                  </p:stCondLst>
-                                  <p:childTnLst>
-                                    <p:set>
-                                      <p:cBhvr>
-                                        <p:cTn id="46" dur="1" fill="hold">
-                                          <p:stCondLst>
-                                            <p:cond delay="0"/>
-                                          </p:stCondLst>
-                                        </p:cTn>
-                                        <p:tgtEl>
-                                          <p:spTgt spid="26"/>
-                                        </p:tgtEl>
-                                        <p:attrNameLst>
-                                          <p:attrName>style.visibility</p:attrName>
-                                        </p:attrNameLst>
-                                      </p:cBhvr>
-                                      <p:to>
-                                        <p:strVal val="hidden"/>
-                                      </p:to>
-                                    </p:set>
-                                  </p:childTnLst>
-                                </p:cTn>
-                              </p:par>
-                            </p:childTnLst>
-                          </p:cTn>
-                        </p:par>
-                      </p:childTnLst>
-                    </p:cTn>
-                  </p:par>
-                  <p:par>
-                    <p:cTn id="47" fill="hold">
-                      <p:stCondLst>
-                        <p:cond delay="indefinite"/>
-                      </p:stCondLst>
-                      <p:childTnLst>
-                        <p:par>
-                          <p:cTn id="48" fill="hold">
-                            <p:stCondLst>
-                              <p:cond delay="0"/>
-                            </p:stCondLst>
-                            <p:childTnLst>
-                              <p:par>
-                                <p:cTn id="49" presetID="1" presetClass="exit" presetSubtype="0" fill="hold" grpId="1" nodeType="clickEffect">
-                                  <p:stCondLst>
-                                    <p:cond delay="0"/>
-                                  </p:stCondLst>
-                                  <p:childTnLst>
-                                    <p:set>
-                                      <p:cBhvr>
-                                        <p:cTn id="50" dur="1" fill="hold">
-                                          <p:stCondLst>
-                                            <p:cond delay="0"/>
-                                          </p:stCondLst>
-                                        </p:cTn>
-                                        <p:tgtEl>
-                                          <p:spTgt spid="18"/>
-                                        </p:tgtEl>
-                                        <p:attrNameLst>
-                                          <p:attrName>style.visibility</p:attrName>
-                                        </p:attrNameLst>
-                                      </p:cBhvr>
-                                      <p:to>
-                                        <p:strVal val="hidden"/>
-                                      </p:to>
-                                    </p:set>
-                                  </p:childTnLst>
-                                </p:cTn>
-                              </p:par>
-                              <p:par>
-                                <p:cTn id="51" presetID="1" presetClass="entr" presetSubtype="0" fill="hold" grpId="0" nodeType="withEffect">
-                                  <p:stCondLst>
-                                    <p:cond delay="0"/>
-                                  </p:stCondLst>
-                                  <p:childTnLst>
-                                    <p:set>
-                                      <p:cBhvr>
-                                        <p:cTn id="52" dur="1" fill="hold">
-                                          <p:stCondLst>
-                                            <p:cond delay="0"/>
-                                          </p:stCondLst>
-                                        </p:cTn>
-                                        <p:tgtEl>
-                                          <p:spTgt spid="16"/>
-                                        </p:tgtEl>
-                                        <p:attrNameLst>
-                                          <p:attrName>style.visibility</p:attrName>
-                                        </p:attrNameLst>
-                                      </p:cBhvr>
-                                      <p:to>
-                                        <p:strVal val="visible"/>
-                                      </p:to>
-                                    </p:set>
-                                  </p:childTnLst>
-                                </p:cTn>
-                              </p:par>
-                              <p:par>
-                                <p:cTn id="53" presetID="1" presetClass="exit" presetSubtype="0" fill="hold" nodeType="withEffect">
-                                  <p:stCondLst>
-                                    <p:cond delay="0"/>
-                                  </p:stCondLst>
-                                  <p:childTnLst>
-                                    <p:set>
-                                      <p:cBhvr>
-                                        <p:cTn id="54" dur="1" fill="hold">
-                                          <p:stCondLst>
-                                            <p:cond delay="0"/>
-                                          </p:stCondLst>
-                                        </p:cTn>
-                                        <p:tgtEl>
-                                          <p:spTgt spid="12"/>
-                                        </p:tgtEl>
-                                        <p:attrNameLst>
-                                          <p:attrName>style.visibility</p:attrName>
-                                        </p:attrNameLst>
-                                      </p:cBhvr>
-                                      <p:to>
-                                        <p:strVal val="hidden"/>
-                                      </p:to>
-                                    </p:set>
-                                  </p:childTnLst>
-                                </p:cTn>
-                              </p:par>
-                            </p:childTnLst>
-                          </p:cTn>
-                        </p:par>
-                      </p:childTnLst>
-                    </p:cTn>
-                  </p:par>
-                  <p:par>
-                    <p:cTn id="55" fill="hold">
-                      <p:stCondLst>
-                        <p:cond delay="indefinite"/>
-                      </p:stCondLst>
-                      <p:childTnLst>
-                        <p:par>
-                          <p:cTn id="56" fill="hold">
-                            <p:stCondLst>
-                              <p:cond delay="0"/>
-                            </p:stCondLst>
-                            <p:childTnLst>
-                              <p:par>
-                                <p:cTn id="57" presetID="1" presetClass="entr" presetSubtype="0" fill="hold" grpId="0" nodeType="clickEffect">
-                                  <p:stCondLst>
-                                    <p:cond delay="0"/>
-                                  </p:stCondLst>
-                                  <p:childTnLst>
-                                    <p:set>
-                                      <p:cBhvr>
-                                        <p:cTn id="58" dur="1" fill="hold">
-                                          <p:stCondLst>
-                                            <p:cond delay="0"/>
-                                          </p:stCondLst>
-                                        </p:cTn>
-                                        <p:tgtEl>
-                                          <p:spTgt spid="14"/>
-                                        </p:tgtEl>
-                                        <p:attrNameLst>
-                                          <p:attrName>style.visibility</p:attrName>
-                                        </p:attrNameLst>
-                                      </p:cBhvr>
-                                      <p:to>
-                                        <p:strVal val="visible"/>
-                                      </p:to>
-                                    </p:set>
-                                  </p:childTnLst>
-                                </p:cTn>
-                              </p:par>
-                              <p:par>
-                                <p:cTn id="59" presetID="1" presetClass="exit" presetSubtype="0" fill="hold" grpId="1" nodeType="withEffect">
-                                  <p:stCondLst>
-                                    <p:cond delay="0"/>
-                                  </p:stCondLst>
-                                  <p:childTnLst>
-                                    <p:set>
-                                      <p:cBhvr>
-                                        <p:cTn id="60" dur="1" fill="hold">
-                                          <p:stCondLst>
-                                            <p:cond delay="0"/>
-                                          </p:stCondLst>
-                                        </p:cTn>
-                                        <p:tgtEl>
-                                          <p:spTgt spid="16"/>
-                                        </p:tgtEl>
-                                        <p:attrNameLst>
-                                          <p:attrName>style.visibility</p:attrName>
-                                        </p:attrNameLst>
-                                      </p:cBhvr>
-                                      <p:to>
-                                        <p:strVal val="hidden"/>
-                                      </p:to>
-                                    </p:set>
-                                  </p:childTnLst>
-                                </p:cTn>
-                              </p:par>
-                            </p:childTnLst>
-                          </p:cTn>
-                        </p:par>
-                      </p:childTnLst>
-                    </p:cTn>
-                  </p:par>
-                </p:childTnLst>
-              </p:cTn>
-              <p:prevCondLst>
-                <p:cond evt="onPrev" delay="0">
-                  <p:tgtEl>
-                    <p:sldTgt/>
-                  </p:tgtEl>
-                </p:cond>
-              </p:prevCondLst>
-              <p:nextCondLst>
-                <p:cond evt="onNext" delay="0">
-                  <p:tgtEl>
-                    <p:sldTgt/>
-                  </p:tgtEl>
-                </p:cond>
-              </p:nextCondLst>
-            </p:seq>
-          </p:childTnLst>
-        </p:cTn>
-      </p:par>
-    </p:tnLst>
-    <p:bldLst>
-      <p:bldP spid="19" grpId="0" animBg="1"/>
-      <p:bldP spid="9" grpId="0" animBg="1"/>
-      <p:bldP spid="9" grpId="1" animBg="1"/>
-      <p:bldP spid="10" grpId="0" animBg="1"/>
-      <p:bldP spid="10" grpId="1" animBg="1"/>
-      <p:bldP spid="11" grpId="0" animBg="1"/>
-      <p:bldP spid="11" grpId="1" animBg="1"/>
-      <p:bldP spid="12" grpId="0" animBg="1"/>
-      <p:bldP spid="14" grpId="0" animBg="1"/>
-      <p:bldP spid="15" grpId="0" animBg="1"/>
-      <p:bldP spid="15" grpId="1" animBg="1"/>
-      <p:bldP spid="16" grpId="0" animBg="1"/>
-      <p:bldP spid="16" grpId="1" animBg="1"/>
-      <p:bldP spid="18" grpId="0" animBg="1"/>
-      <p:bldP spid="18" grpId="1" animBg="1"/>
-      <p:bldP spid="21" grpId="0" animBg="1"/>
-      <p:bldP spid="21" grpId="1" animBg="1"/>
-      <p:bldP spid="25" grpId="0" animBg="1"/>
-      <p:bldP spid="25" grpId="1" animBg="1"/>
-      <p:bldP spid="26" grpId="0" animBg="1"/>
-      <p:bldP spid="26" grpId="1" animBg="1"/>
     </p:bldLst>
   </p:timing>
 </p:sld>
